--- a/Report/mid/中間ポスター_佐野.pptx
+++ b/Report/mid/中間ポスター_佐野.pptx
@@ -4869,8 +4869,8 @@
         </p:nvSpPr>
         <p:spPr>
           <a:xfrm>
-            <a:off x="18753619" y="4714083"/>
-            <a:ext cx="7005806" cy="4625497"/>
+            <a:off x="18753619" y="4916141"/>
+            <a:ext cx="7005806" cy="4440831"/>
           </a:xfrm>
           <a:prstGeom prst="rect">
             <a:avLst/>
@@ -4889,7 +4889,7 @@
               </a:lnSpc>
             </a:pPr>
             <a:r>
-              <a:rPr lang="ja-JP" altLang="en-US" sz="8000" dirty="0">
+              <a:rPr lang="ja-JP" altLang="en-US" sz="7200" dirty="0">
                 <a:solidFill>
                   <a:schemeClr val="tx1">
                     <a:lumMod val="75000"/>
@@ -4901,7 +4901,7 @@
               </a:rPr>
               <a:t>本研究</a:t>
             </a:r>
-            <a:endParaRPr lang="en-US" altLang="ja-JP" sz="8000" dirty="0">
+            <a:endParaRPr lang="en-US" altLang="ja-JP" sz="7200" dirty="0">
               <a:solidFill>
                 <a:schemeClr val="tx1">
                   <a:lumMod val="75000"/>
@@ -5159,8 +5159,8 @@
         </p:nvSpPr>
         <p:spPr>
           <a:xfrm>
-            <a:off x="453128" y="10026056"/>
-            <a:ext cx="25310812" cy="18506056"/>
+            <a:off x="448613" y="10114682"/>
+            <a:ext cx="25310812" cy="17425937"/>
           </a:xfrm>
           <a:prstGeom prst="roundRect">
             <a:avLst>
@@ -5197,7 +5197,7 @@
           <a:lstStyle/>
           <a:p>
             <a:r>
-              <a:rPr lang="ja-JP" altLang="en-US" sz="6600" dirty="0">
+              <a:rPr lang="ja-JP" altLang="en-US" sz="6600">
                 <a:solidFill>
                   <a:schemeClr val="tx1">
                     <a:lumMod val="75000"/>
@@ -5210,7 +5210,7 @@
               <a:t>研究内容：</a:t>
             </a:r>
             <a:r>
-              <a:rPr lang="ja-JP" altLang="en-US" sz="6600" dirty="0">
+              <a:rPr lang="ja-JP" altLang="en-US" sz="6600">
                 <a:solidFill>
                   <a:schemeClr val="accent1">
                     <a:lumMod val="75000"/>
@@ -5221,7 +5221,7 @@
               </a:rPr>
               <a:t>撮影画像からカメラの位置を推定する</a:t>
             </a:r>
-            <a:endParaRPr lang="en-US" altLang="ja-JP" sz="5400" dirty="0">
+            <a:endParaRPr lang="en-US" altLang="ja-JP" sz="5400">
               <a:solidFill>
                 <a:schemeClr val="accent1">
                   <a:lumMod val="75000"/>
@@ -5238,7 +5238,7 @@
               </a:lnSpc>
             </a:pPr>
             <a:r>
-              <a:rPr lang="ja-JP" altLang="en-US" sz="4800" dirty="0">
+              <a:rPr lang="ja-JP" altLang="en-US" sz="4800">
                 <a:solidFill>
                   <a:schemeClr val="tx1">
                     <a:lumMod val="75000"/>
@@ -5363,7 +5363,7 @@
                 <a:latin typeface="UD デジタル 教科書体 N-B" panose="02020700000000000000" pitchFamily="17" charset="-128"/>
                 <a:ea typeface="UD デジタル 教科書体 N-B" panose="02020700000000000000" pitchFamily="17" charset="-128"/>
               </a:rPr>
-              <a:t>→撮影画像からカメラ位置を推定する手法を新たに提案</a:t>
+              <a:t>→撮影画像からカメラ位置を推定する手法を新たに提案する。</a:t>
             </a:r>
             <a:endParaRPr lang="en-US" altLang="ja-JP" sz="4000" dirty="0">
               <a:solidFill>
@@ -5392,7 +5392,7 @@
         </p:nvSpPr>
         <p:spPr>
           <a:xfrm>
-            <a:off x="758325" y="13623318"/>
+            <a:off x="758326" y="14659512"/>
             <a:ext cx="8568951" cy="4432432"/>
           </a:xfrm>
           <a:prstGeom prst="rect">
@@ -5535,7 +5535,7 @@
         </p:nvSpPr>
         <p:spPr>
           <a:xfrm>
-            <a:off x="4337637" y="15279441"/>
+            <a:off x="4337638" y="16315635"/>
             <a:ext cx="576064" cy="2776309"/>
           </a:xfrm>
           <a:prstGeom prst="rightBrace">
@@ -5587,7 +5587,7 @@
         </p:nvSpPr>
         <p:spPr>
           <a:xfrm>
-            <a:off x="758324" y="19279084"/>
+            <a:off x="16880765" y="14741928"/>
             <a:ext cx="8568952" cy="4432432"/>
           </a:xfrm>
           <a:prstGeom prst="rect">
@@ -5730,7 +5730,7 @@
         </p:nvSpPr>
         <p:spPr>
           <a:xfrm>
-            <a:off x="4337636" y="20935207"/>
+            <a:off x="20460077" y="16398051"/>
             <a:ext cx="576064" cy="2776309"/>
           </a:xfrm>
           <a:prstGeom prst="rightBrace">
@@ -5768,12 +5768,75 @@
           </a:p>
         </p:txBody>
       </p:sp>
+      <p:sp>
+        <p:nvSpPr>
+          <p:cNvPr id="5" name="矢印: 右 4">
+            <a:extLst>
+              <a:ext uri="{FF2B5EF4-FFF2-40B4-BE49-F238E27FC236}">
+                <a16:creationId xmlns:a16="http://schemas.microsoft.com/office/drawing/2014/main" id="{C6E83B4B-67BA-3DBC-DBE8-3F3597118CC3}"/>
+              </a:ext>
+            </a:extLst>
+          </p:cNvPr>
+          <p:cNvSpPr/>
+          <p:nvPr/>
+        </p:nvSpPr>
+        <p:spPr>
+          <a:xfrm>
+            <a:off x="15473449" y="16887046"/>
+            <a:ext cx="1021782" cy="1224136"/>
+          </a:xfrm>
+          <a:prstGeom prst="rightArrow">
+            <a:avLst>
+              <a:gd name="adj1" fmla="val 50000"/>
+              <a:gd name="adj2" fmla="val 57458"/>
+            </a:avLst>
+          </a:prstGeom>
+          <a:solidFill>
+            <a:schemeClr val="accent1">
+              <a:lumMod val="60000"/>
+              <a:lumOff val="40000"/>
+            </a:schemeClr>
+          </a:solidFill>
+          <a:ln>
+            <a:noFill/>
+          </a:ln>
+          <a:effectLst/>
+        </p:spPr>
+        <p:style>
+          <a:lnRef idx="2">
+            <a:schemeClr val="accent1">
+              <a:shade val="50000"/>
+            </a:schemeClr>
+          </a:lnRef>
+          <a:fillRef idx="1">
+            <a:schemeClr val="accent1"/>
+          </a:fillRef>
+          <a:effectRef idx="0">
+            <a:schemeClr val="accent1"/>
+          </a:effectRef>
+          <a:fontRef idx="minor">
+            <a:schemeClr val="lt1"/>
+          </a:fontRef>
+        </p:style>
+        <p:txBody>
+          <a:bodyPr rtlCol="0" anchor="ctr"/>
+          <a:lstStyle/>
+          <a:p>
+            <a:pPr algn="ctr"/>
+            <a:endParaRPr kumimoji="1" lang="ja-JP" altLang="en-US">
+              <a:solidFill>
+                <a:schemeClr val="accent1"/>
+              </a:solidFill>
+            </a:endParaRPr>
+          </a:p>
+        </p:txBody>
+      </p:sp>
       <p:pic>
         <p:nvPicPr>
-          <p:cNvPr id="33" name="図 32" descr="グラフ が含まれている画像&#10;&#10;自動的に生成された説明">
+          <p:cNvPr id="15" name="図 14">
             <a:extLst>
               <a:ext uri="{FF2B5EF4-FFF2-40B4-BE49-F238E27FC236}">
-                <a16:creationId xmlns:a16="http://schemas.microsoft.com/office/drawing/2014/main" id="{E3EBDE82-4FBE-ED5C-1881-F89C42876B21}"/>
+                <a16:creationId xmlns:a16="http://schemas.microsoft.com/office/drawing/2014/main" id="{513FFF4E-1865-3610-710C-844ACC0D04F3}"/>
               </a:ext>
             </a:extLst>
           </p:cNvPr>
@@ -5796,15 +5859,594 @@
         </p:blipFill>
         <p:spPr>
           <a:xfrm>
-            <a:off x="15024057" y="14677317"/>
-            <a:ext cx="6126074" cy="3980555"/>
+            <a:off x="9712811" y="15814501"/>
+            <a:ext cx="5170823" cy="3359859"/>
           </a:xfrm>
           <a:prstGeom prst="roundRect">
             <a:avLst>
-              <a:gd name="adj" fmla="val 5149"/>
+              <a:gd name="adj" fmla="val 10045"/>
             </a:avLst>
           </a:prstGeom>
-          <a:ln w="101600">
+          <a:ln w="76200">
+            <a:solidFill>
+              <a:schemeClr val="accent1">
+                <a:lumMod val="60000"/>
+                <a:lumOff val="40000"/>
+              </a:schemeClr>
+            </a:solidFill>
+          </a:ln>
+        </p:spPr>
+      </p:pic>
+      <p:sp>
+        <p:nvSpPr>
+          <p:cNvPr id="19" name="テキスト ボックス 18">
+            <a:extLst>
+              <a:ext uri="{FF2B5EF4-FFF2-40B4-BE49-F238E27FC236}">
+                <a16:creationId xmlns:a16="http://schemas.microsoft.com/office/drawing/2014/main" id="{FEBE5FE2-FCE8-9DC5-9262-2721F747FB91}"/>
+              </a:ext>
+            </a:extLst>
+          </p:cNvPr>
+          <p:cNvSpPr txBox="1"/>
+          <p:nvPr/>
+        </p:nvSpPr>
+        <p:spPr>
+          <a:xfrm>
+            <a:off x="758325" y="13220980"/>
+            <a:ext cx="8568951" cy="1352037"/>
+          </a:xfrm>
+          <a:prstGeom prst="rect">
+            <a:avLst/>
+          </a:prstGeom>
+          <a:noFill/>
+        </p:spPr>
+        <p:txBody>
+          <a:bodyPr wrap="square" rtlCol="0">
+            <a:spAutoFit/>
+          </a:bodyPr>
+          <a:lstStyle/>
+          <a:p>
+            <a:pPr>
+              <a:lnSpc>
+                <a:spcPct val="150000"/>
+              </a:lnSpc>
+            </a:pPr>
+            <a:r>
+              <a:rPr lang="en-US" altLang="ja-JP" sz="6000" dirty="0">
+                <a:solidFill>
+                  <a:schemeClr val="accent1">
+                    <a:lumMod val="75000"/>
+                  </a:schemeClr>
+                </a:solidFill>
+                <a:latin typeface="UD デジタル 教科書体 N-B" panose="02020700000000000000" pitchFamily="17" charset="-128"/>
+                <a:ea typeface="UD デジタル 教科書体 N-B" panose="02020700000000000000" pitchFamily="17" charset="-128"/>
+              </a:rPr>
+              <a:t>1. </a:t>
+            </a:r>
+            <a:r>
+              <a:rPr lang="ja-JP" altLang="en-US" sz="6000" dirty="0">
+                <a:solidFill>
+                  <a:schemeClr val="accent1">
+                    <a:lumMod val="75000"/>
+                  </a:schemeClr>
+                </a:solidFill>
+                <a:latin typeface="UD デジタル 教科書体 N-B" panose="02020700000000000000" pitchFamily="17" charset="-128"/>
+                <a:ea typeface="UD デジタル 教科書体 N-B" panose="02020700000000000000" pitchFamily="17" charset="-128"/>
+              </a:rPr>
+              <a:t>手法概要</a:t>
+            </a:r>
+            <a:endParaRPr lang="en-US" altLang="ja-JP" sz="6000" dirty="0">
+              <a:solidFill>
+                <a:schemeClr val="accent1">
+                  <a:lumMod val="75000"/>
+                </a:schemeClr>
+              </a:solidFill>
+              <a:latin typeface="UD デジタル 教科書体 N-B" panose="02020700000000000000" pitchFamily="17" charset="-128"/>
+              <a:ea typeface="UD デジタル 教科書体 N-B" panose="02020700000000000000" pitchFamily="17" charset="-128"/>
+            </a:endParaRPr>
+          </a:p>
+        </p:txBody>
+      </p:sp>
+      <p:sp>
+        <p:nvSpPr>
+          <p:cNvPr id="20" name="テキスト ボックス 19">
+            <a:extLst>
+              <a:ext uri="{FF2B5EF4-FFF2-40B4-BE49-F238E27FC236}">
+                <a16:creationId xmlns:a16="http://schemas.microsoft.com/office/drawing/2014/main" id="{3A4BA403-A0E9-5981-AD1D-D0CDD5EF7760}"/>
+              </a:ext>
+            </a:extLst>
+          </p:cNvPr>
+          <p:cNvSpPr txBox="1"/>
+          <p:nvPr/>
+        </p:nvSpPr>
+        <p:spPr>
+          <a:xfrm>
+            <a:off x="758324" y="19601724"/>
+            <a:ext cx="13988979" cy="1016112"/>
+          </a:xfrm>
+          <a:prstGeom prst="rect">
+            <a:avLst/>
+          </a:prstGeom>
+          <a:noFill/>
+        </p:spPr>
+        <p:txBody>
+          <a:bodyPr wrap="square" rtlCol="0">
+            <a:spAutoFit/>
+          </a:bodyPr>
+          <a:lstStyle/>
+          <a:p>
+            <a:pPr>
+              <a:lnSpc>
+                <a:spcPct val="150000"/>
+              </a:lnSpc>
+            </a:pPr>
+            <a:r>
+              <a:rPr lang="ja-JP" altLang="en-US" sz="4400" dirty="0">
+                <a:solidFill>
+                  <a:schemeClr val="tx1">
+                    <a:lumMod val="75000"/>
+                    <a:lumOff val="25000"/>
+                  </a:schemeClr>
+                </a:solidFill>
+                <a:latin typeface="UD デジタル 教科書体 N-B" panose="02020700000000000000" pitchFamily="17" charset="-128"/>
+                <a:ea typeface="UD デジタル 教科書体 N-B" panose="02020700000000000000" pitchFamily="17" charset="-128"/>
+              </a:rPr>
+              <a:t>→</a:t>
+            </a:r>
+            <a:r>
+              <a:rPr lang="en-US" altLang="ja-JP" sz="4400" dirty="0">
+                <a:solidFill>
+                  <a:schemeClr val="tx1">
+                    <a:lumMod val="75000"/>
+                    <a:lumOff val="25000"/>
+                  </a:schemeClr>
+                </a:solidFill>
+                <a:latin typeface="UD デジタル 教科書体 N-B" panose="02020700000000000000" pitchFamily="17" charset="-128"/>
+                <a:ea typeface="UD デジタル 教科書体 N-B" panose="02020700000000000000" pitchFamily="17" charset="-128"/>
+              </a:rPr>
+              <a:t>2</a:t>
+            </a:r>
+            <a:r>
+              <a:rPr lang="ja-JP" altLang="en-US" sz="4400" dirty="0">
+                <a:solidFill>
+                  <a:schemeClr val="tx1">
+                    <a:lumMod val="75000"/>
+                    <a:lumOff val="25000"/>
+                  </a:schemeClr>
+                </a:solidFill>
+                <a:latin typeface="UD デジタル 教科書体 N-B" panose="02020700000000000000" pitchFamily="17" charset="-128"/>
+                <a:ea typeface="UD デジタル 教科書体 N-B" panose="02020700000000000000" pitchFamily="17" charset="-128"/>
+              </a:rPr>
+              <a:t>本の直線を考えれば光源（カメラ）の位置で交わる。</a:t>
+            </a:r>
+            <a:endParaRPr lang="en-US" altLang="ja-JP" sz="4400" dirty="0">
+              <a:solidFill>
+                <a:schemeClr val="tx1">
+                  <a:lumMod val="75000"/>
+                  <a:lumOff val="25000"/>
+                </a:schemeClr>
+              </a:solidFill>
+              <a:latin typeface="UD デジタル 教科書体 N-B" panose="02020700000000000000" pitchFamily="17" charset="-128"/>
+              <a:ea typeface="UD デジタル 教科書体 N-B" panose="02020700000000000000" pitchFamily="17" charset="-128"/>
+            </a:endParaRPr>
+          </a:p>
+        </p:txBody>
+      </p:sp>
+      <p:sp>
+        <p:nvSpPr>
+          <p:cNvPr id="21" name="テキスト ボックス 20">
+            <a:extLst>
+              <a:ext uri="{FF2B5EF4-FFF2-40B4-BE49-F238E27FC236}">
+                <a16:creationId xmlns:a16="http://schemas.microsoft.com/office/drawing/2014/main" id="{1F0963E0-7D48-09F5-A0D3-C7DAF1ECC6AB}"/>
+              </a:ext>
+            </a:extLst>
+          </p:cNvPr>
+          <p:cNvSpPr txBox="1"/>
+          <p:nvPr/>
+        </p:nvSpPr>
+        <p:spPr>
+          <a:xfrm>
+            <a:off x="758324" y="20612376"/>
+            <a:ext cx="8568951" cy="1352037"/>
+          </a:xfrm>
+          <a:prstGeom prst="rect">
+            <a:avLst/>
+          </a:prstGeom>
+          <a:noFill/>
+        </p:spPr>
+        <p:txBody>
+          <a:bodyPr wrap="square" rtlCol="0">
+            <a:spAutoFit/>
+          </a:bodyPr>
+          <a:lstStyle/>
+          <a:p>
+            <a:pPr>
+              <a:lnSpc>
+                <a:spcPct val="150000"/>
+              </a:lnSpc>
+            </a:pPr>
+            <a:r>
+              <a:rPr lang="en-US" altLang="ja-JP" sz="6000" dirty="0">
+                <a:solidFill>
+                  <a:schemeClr val="accent1">
+                    <a:lumMod val="75000"/>
+                  </a:schemeClr>
+                </a:solidFill>
+                <a:latin typeface="UD デジタル 教科書体 N-B" panose="02020700000000000000" pitchFamily="17" charset="-128"/>
+                <a:ea typeface="UD デジタル 教科書体 N-B" panose="02020700000000000000" pitchFamily="17" charset="-128"/>
+              </a:rPr>
+              <a:t>2. </a:t>
+            </a:r>
+            <a:r>
+              <a:rPr lang="ja-JP" altLang="en-US" sz="6000" dirty="0">
+                <a:solidFill>
+                  <a:schemeClr val="accent1">
+                    <a:lumMod val="75000"/>
+                  </a:schemeClr>
+                </a:solidFill>
+                <a:latin typeface="UD デジタル 教科書体 N-B" panose="02020700000000000000" pitchFamily="17" charset="-128"/>
+                <a:ea typeface="UD デジタル 教科書体 N-B" panose="02020700000000000000" pitchFamily="17" charset="-128"/>
+              </a:rPr>
+              <a:t>手法検証</a:t>
+            </a:r>
+            <a:endParaRPr lang="en-US" altLang="ja-JP" sz="6000" dirty="0">
+              <a:solidFill>
+                <a:schemeClr val="accent1">
+                  <a:lumMod val="75000"/>
+                </a:schemeClr>
+              </a:solidFill>
+              <a:latin typeface="UD デジタル 教科書体 N-B" panose="02020700000000000000" pitchFamily="17" charset="-128"/>
+              <a:ea typeface="UD デジタル 教科書体 N-B" panose="02020700000000000000" pitchFamily="17" charset="-128"/>
+            </a:endParaRPr>
+          </a:p>
+        </p:txBody>
+      </p:sp>
+      <p:sp>
+        <p:nvSpPr>
+          <p:cNvPr id="22" name="テキスト ボックス 21">
+            <a:extLst>
+              <a:ext uri="{FF2B5EF4-FFF2-40B4-BE49-F238E27FC236}">
+                <a16:creationId xmlns:a16="http://schemas.microsoft.com/office/drawing/2014/main" id="{23EBB66D-3BD6-0108-FBF5-537EA31CFE45}"/>
+              </a:ext>
+            </a:extLst>
+          </p:cNvPr>
+          <p:cNvSpPr txBox="1"/>
+          <p:nvPr/>
+        </p:nvSpPr>
+        <p:spPr>
+          <a:xfrm>
+            <a:off x="758323" y="22041279"/>
+            <a:ext cx="5216903" cy="1016112"/>
+          </a:xfrm>
+          <a:prstGeom prst="rect">
+            <a:avLst/>
+          </a:prstGeom>
+          <a:noFill/>
+        </p:spPr>
+        <p:txBody>
+          <a:bodyPr wrap="square" rtlCol="0">
+            <a:spAutoFit/>
+          </a:bodyPr>
+          <a:lstStyle/>
+          <a:p>
+            <a:pPr>
+              <a:lnSpc>
+                <a:spcPct val="150000"/>
+              </a:lnSpc>
+            </a:pPr>
+            <a:r>
+              <a:rPr lang="ja-JP" altLang="en-US" sz="4400" dirty="0">
+                <a:solidFill>
+                  <a:schemeClr val="tx1">
+                    <a:lumMod val="75000"/>
+                    <a:lumOff val="25000"/>
+                  </a:schemeClr>
+                </a:solidFill>
+                <a:latin typeface="UD デジタル 教科書体 N-B" panose="02020700000000000000" pitchFamily="17" charset="-128"/>
+                <a:ea typeface="UD デジタル 教科書体 N-B" panose="02020700000000000000" pitchFamily="17" charset="-128"/>
+              </a:rPr>
+              <a:t>①模擬コートを作成</a:t>
+            </a:r>
+            <a:endParaRPr lang="en-US" altLang="ja-JP" sz="4400" dirty="0">
+              <a:solidFill>
+                <a:schemeClr val="tx1">
+                  <a:lumMod val="75000"/>
+                  <a:lumOff val="25000"/>
+                </a:schemeClr>
+              </a:solidFill>
+              <a:latin typeface="UD デジタル 教科書体 N-B" panose="02020700000000000000" pitchFamily="17" charset="-128"/>
+              <a:ea typeface="UD デジタル 教科書体 N-B" panose="02020700000000000000" pitchFamily="17" charset="-128"/>
+            </a:endParaRPr>
+          </a:p>
+        </p:txBody>
+      </p:sp>
+      <p:pic>
+        <p:nvPicPr>
+          <p:cNvPr id="28" name="図 27">
+            <a:extLst>
+              <a:ext uri="{FF2B5EF4-FFF2-40B4-BE49-F238E27FC236}">
+                <a16:creationId xmlns:a16="http://schemas.microsoft.com/office/drawing/2014/main" id="{34294F63-A8E5-1827-E01D-2E734FCA4D70}"/>
+              </a:ext>
+            </a:extLst>
+          </p:cNvPr>
+          <p:cNvPicPr>
+            <a:picLocks noChangeAspect="1"/>
+          </p:cNvPicPr>
+          <p:nvPr/>
+        </p:nvPicPr>
+        <p:blipFill>
+          <a:blip r:embed="rId3" cstate="print">
+            <a:extLst>
+              <a:ext uri="{28A0092B-C50C-407E-A947-70E740481C1C}">
+                <a14:useLocalDpi xmlns:a14="http://schemas.microsoft.com/office/drawing/2010/main" val="0"/>
+              </a:ext>
+            </a:extLst>
+          </a:blip>
+          <a:stretch>
+            <a:fillRect/>
+          </a:stretch>
+        </p:blipFill>
+        <p:spPr>
+          <a:xfrm>
+            <a:off x="1078683" y="23646602"/>
+            <a:ext cx="4589303" cy="3243107"/>
+          </a:xfrm>
+          <a:prstGeom prst="roundRect">
+            <a:avLst>
+              <a:gd name="adj" fmla="val 7412"/>
+            </a:avLst>
+          </a:prstGeom>
+          <a:ln w="76200">
+            <a:solidFill>
+              <a:schemeClr val="accent1">
+                <a:lumMod val="60000"/>
+                <a:lumOff val="40000"/>
+              </a:schemeClr>
+            </a:solidFill>
+          </a:ln>
+        </p:spPr>
+      </p:pic>
+      <p:sp>
+        <p:nvSpPr>
+          <p:cNvPr id="29" name="テキスト ボックス 28">
+            <a:extLst>
+              <a:ext uri="{FF2B5EF4-FFF2-40B4-BE49-F238E27FC236}">
+                <a16:creationId xmlns:a16="http://schemas.microsoft.com/office/drawing/2014/main" id="{CC52A97F-1190-4F52-8B9F-529518303726}"/>
+              </a:ext>
+            </a:extLst>
+          </p:cNvPr>
+          <p:cNvSpPr txBox="1"/>
+          <p:nvPr/>
+        </p:nvSpPr>
+        <p:spPr>
+          <a:xfrm>
+            <a:off x="7343379" y="22041279"/>
+            <a:ext cx="7737183" cy="1016112"/>
+          </a:xfrm>
+          <a:prstGeom prst="rect">
+            <a:avLst/>
+          </a:prstGeom>
+          <a:noFill/>
+        </p:spPr>
+        <p:txBody>
+          <a:bodyPr wrap="square" rtlCol="0">
+            <a:spAutoFit/>
+          </a:bodyPr>
+          <a:lstStyle/>
+          <a:p>
+            <a:pPr>
+              <a:lnSpc>
+                <a:spcPct val="150000"/>
+              </a:lnSpc>
+            </a:pPr>
+            <a:r>
+              <a:rPr lang="ja-JP" altLang="en-US" sz="4400" dirty="0">
+                <a:solidFill>
+                  <a:schemeClr val="tx1">
+                    <a:lumMod val="75000"/>
+                    <a:lumOff val="25000"/>
+                  </a:schemeClr>
+                </a:solidFill>
+                <a:latin typeface="UD デジタル 教科書体 N-B" panose="02020700000000000000" pitchFamily="17" charset="-128"/>
+                <a:ea typeface="UD デジタル 教科書体 N-B" panose="02020700000000000000" pitchFamily="17" charset="-128"/>
+              </a:rPr>
+              <a:t>②ペンを立てて射影を求める</a:t>
+            </a:r>
+            <a:endParaRPr lang="en-US" altLang="ja-JP" sz="4400" dirty="0">
+              <a:solidFill>
+                <a:schemeClr val="tx1">
+                  <a:lumMod val="75000"/>
+                  <a:lumOff val="25000"/>
+                </a:schemeClr>
+              </a:solidFill>
+              <a:latin typeface="UD デジタル 教科書体 N-B" panose="02020700000000000000" pitchFamily="17" charset="-128"/>
+              <a:ea typeface="UD デジタル 教科書体 N-B" panose="02020700000000000000" pitchFamily="17" charset="-128"/>
+            </a:endParaRPr>
+          </a:p>
+        </p:txBody>
+      </p:sp>
+      <p:pic>
+        <p:nvPicPr>
+          <p:cNvPr id="31" name="図 30" descr="テキスト が含まれている画像&#10;&#10;自動的に生成された説明">
+            <a:extLst>
+              <a:ext uri="{FF2B5EF4-FFF2-40B4-BE49-F238E27FC236}">
+                <a16:creationId xmlns:a16="http://schemas.microsoft.com/office/drawing/2014/main" id="{F0096EF0-6EA8-1A6F-A25F-094D0A52D760}"/>
+              </a:ext>
+            </a:extLst>
+          </p:cNvPr>
+          <p:cNvPicPr>
+            <a:picLocks noChangeAspect="1"/>
+          </p:cNvPicPr>
+          <p:nvPr/>
+        </p:nvPicPr>
+        <p:blipFill>
+          <a:blip r:embed="rId4" cstate="print">
+            <a:extLst>
+              <a:ext uri="{28A0092B-C50C-407E-A947-70E740481C1C}">
+                <a14:useLocalDpi xmlns:a14="http://schemas.microsoft.com/office/drawing/2010/main" val="0"/>
+              </a:ext>
+            </a:extLst>
+          </a:blip>
+          <a:srcRect/>
+          <a:stretch>
+            <a:fillRect/>
+          </a:stretch>
+        </p:blipFill>
+        <p:spPr bwMode="auto">
+          <a:xfrm>
+            <a:off x="7752813" y="23646601"/>
+            <a:ext cx="6488025" cy="3243108"/>
+          </a:xfrm>
+          <a:prstGeom prst="rect">
+            <a:avLst/>
+          </a:prstGeom>
+          <a:noFill/>
+          <a:ln>
+            <a:noFill/>
+          </a:ln>
+        </p:spPr>
+      </p:pic>
+      <p:sp>
+        <p:nvSpPr>
+          <p:cNvPr id="32" name="テキスト ボックス 31">
+            <a:extLst>
+              <a:ext uri="{FF2B5EF4-FFF2-40B4-BE49-F238E27FC236}">
+                <a16:creationId xmlns:a16="http://schemas.microsoft.com/office/drawing/2014/main" id="{58F1DC91-67E8-3B42-AAC6-7BFB10AA2A1D}"/>
+              </a:ext>
+            </a:extLst>
+          </p:cNvPr>
+          <p:cNvSpPr txBox="1"/>
+          <p:nvPr/>
+        </p:nvSpPr>
+        <p:spPr>
+          <a:xfrm>
+            <a:off x="16113677" y="22041279"/>
+            <a:ext cx="9159694" cy="1016112"/>
+          </a:xfrm>
+          <a:prstGeom prst="rect">
+            <a:avLst/>
+          </a:prstGeom>
+          <a:noFill/>
+        </p:spPr>
+        <p:txBody>
+          <a:bodyPr wrap="square" rtlCol="0">
+            <a:spAutoFit/>
+          </a:bodyPr>
+          <a:lstStyle/>
+          <a:p>
+            <a:pPr>
+              <a:lnSpc>
+                <a:spcPct val="150000"/>
+              </a:lnSpc>
+            </a:pPr>
+            <a:r>
+              <a:rPr lang="ja-JP" altLang="en-US" sz="4400" dirty="0">
+                <a:solidFill>
+                  <a:schemeClr val="tx1">
+                    <a:lumMod val="75000"/>
+                    <a:lumOff val="25000"/>
+                  </a:schemeClr>
+                </a:solidFill>
+                <a:latin typeface="UD デジタル 教科書体 N-B" panose="02020700000000000000" pitchFamily="17" charset="-128"/>
+                <a:ea typeface="UD デジタル 教科書体 N-B" panose="02020700000000000000" pitchFamily="17" charset="-128"/>
+              </a:rPr>
+              <a:t>③ペンの位置を変えて推定精度確認</a:t>
+            </a:r>
+            <a:endParaRPr lang="en-US" altLang="ja-JP" sz="4400" dirty="0">
+              <a:solidFill>
+                <a:schemeClr val="tx1">
+                  <a:lumMod val="75000"/>
+                  <a:lumOff val="25000"/>
+                </a:schemeClr>
+              </a:solidFill>
+              <a:latin typeface="UD デジタル 教科書体 N-B" panose="02020700000000000000" pitchFamily="17" charset="-128"/>
+              <a:ea typeface="UD デジタル 教科書体 N-B" panose="02020700000000000000" pitchFamily="17" charset="-128"/>
+            </a:endParaRPr>
+          </a:p>
+        </p:txBody>
+      </p:sp>
+      <p:pic>
+        <p:nvPicPr>
+          <p:cNvPr id="35" name="図 34">
+            <a:extLst>
+              <a:ext uri="{FF2B5EF4-FFF2-40B4-BE49-F238E27FC236}">
+                <a16:creationId xmlns:a16="http://schemas.microsoft.com/office/drawing/2014/main" id="{ABD821A1-9486-CCA6-1DBD-CD859C6A4FA5}"/>
+              </a:ext>
+            </a:extLst>
+          </p:cNvPr>
+          <p:cNvPicPr>
+            <a:picLocks noChangeAspect="1"/>
+          </p:cNvPicPr>
+          <p:nvPr/>
+        </p:nvPicPr>
+        <p:blipFill>
+          <a:blip r:embed="rId5" cstate="print">
+            <a:extLst>
+              <a:ext uri="{28A0092B-C50C-407E-A947-70E740481C1C}">
+                <a14:useLocalDpi xmlns:a14="http://schemas.microsoft.com/office/drawing/2010/main" val="0"/>
+              </a:ext>
+            </a:extLst>
+          </a:blip>
+          <a:stretch>
+            <a:fillRect/>
+          </a:stretch>
+        </p:blipFill>
+        <p:spPr>
+          <a:xfrm>
+            <a:off x="15984339" y="23646601"/>
+            <a:ext cx="4324143" cy="3243108"/>
+          </a:xfrm>
+          <a:prstGeom prst="roundRect">
+            <a:avLst>
+              <a:gd name="adj" fmla="val 9775"/>
+            </a:avLst>
+          </a:prstGeom>
+          <a:ln w="76200">
+            <a:solidFill>
+              <a:schemeClr val="accent1">
+                <a:lumMod val="60000"/>
+                <a:lumOff val="40000"/>
+              </a:schemeClr>
+            </a:solidFill>
+          </a:ln>
+        </p:spPr>
+      </p:pic>
+      <p:pic>
+        <p:nvPicPr>
+          <p:cNvPr id="37" name="図 36" descr="床, 建物, スポーツゲーム, 再生 が含まれている画像&#10;&#10;自動的に生成された説明">
+            <a:extLst>
+              <a:ext uri="{FF2B5EF4-FFF2-40B4-BE49-F238E27FC236}">
+                <a16:creationId xmlns:a16="http://schemas.microsoft.com/office/drawing/2014/main" id="{4BCCE57C-AA74-B492-4181-14BF455A0B0B}"/>
+              </a:ext>
+            </a:extLst>
+          </p:cNvPr>
+          <p:cNvPicPr>
+            <a:picLocks noChangeAspect="1"/>
+          </p:cNvPicPr>
+          <p:nvPr/>
+        </p:nvPicPr>
+        <p:blipFill>
+          <a:blip r:embed="rId6" cstate="print">
+            <a:extLst>
+              <a:ext uri="{28A0092B-C50C-407E-A947-70E740481C1C}">
+                <a14:useLocalDpi xmlns:a14="http://schemas.microsoft.com/office/drawing/2010/main" val="0"/>
+              </a:ext>
+            </a:extLst>
+          </a:blip>
+          <a:stretch>
+            <a:fillRect/>
+          </a:stretch>
+        </p:blipFill>
+        <p:spPr>
+          <a:xfrm>
+            <a:off x="21125572" y="23646602"/>
+            <a:ext cx="4324143" cy="3243107"/>
+          </a:xfrm>
+          <a:prstGeom prst="roundRect">
+            <a:avLst>
+              <a:gd name="adj" fmla="val 8313"/>
+            </a:avLst>
+          </a:prstGeom>
+          <a:ln w="76200">
             <a:solidFill>
               <a:schemeClr val="accent1">
                 <a:lumMod val="60000"/>
@@ -6373,6 +7015,26 @@
 </file>
 
 <file path=customXml/item1.xml><?xml version="1.0" encoding="utf-8"?>
+<p:properties xmlns:p="http://schemas.microsoft.com/office/2006/metadata/properties" xmlns:xsi="http://www.w3.org/2001/XMLSchema-instance" xmlns:pc="http://schemas.microsoft.com/office/infopath/2007/PartnerControls">
+  <documentManagement>
+    <lcf76f155ced4ddcb4097134ff3c332f xmlns="d6899de3-1125-4d4b-b534-4822d3c0297b">
+      <Terms xmlns="http://schemas.microsoft.com/office/infopath/2007/PartnerControls"/>
+    </lcf76f155ced4ddcb4097134ff3c332f>
+    <TaxCatchAll xmlns="d105cd02-f242-4b57-b36a-2b84b88f6108" xsi:nil="true"/>
+  </documentManagement>
+</p:properties>
+</file>
+
+<file path=customXml/item2.xml><?xml version="1.0" encoding="utf-8"?>
+<?mso-contentType ?>
+<FormTemplates xmlns="http://schemas.microsoft.com/sharepoint/v3/contenttype/forms">
+  <Display>DocumentLibraryForm</Display>
+  <Edit>DocumentLibraryForm</Edit>
+  <New>DocumentLibraryForm</New>
+</FormTemplates>
+</file>
+
+<file path=customXml/item3.xml><?xml version="1.0" encoding="utf-8"?>
 <ct:contentTypeSchema xmlns:ct="http://schemas.microsoft.com/office/2006/metadata/contentType" xmlns:ma="http://schemas.microsoft.com/office/2006/metadata/properties/metaAttributes" ct:_="" ma:_="" ma:contentTypeName="ドキュメント" ma:contentTypeID="0x010100DA3AE0181D46CC48B1A6C7D49B05DC0E" ma:contentTypeVersion="10" ma:contentTypeDescription="新しいドキュメントを作成します。" ma:contentTypeScope="" ma:versionID="6891c78b8800e17b2974d5a387b7c6d4">
   <xsd:schema xmlns:xsd="http://www.w3.org/2001/XMLSchema" xmlns:xs="http://www.w3.org/2001/XMLSchema" xmlns:p="http://schemas.microsoft.com/office/2006/metadata/properties" xmlns:ns2="d6899de3-1125-4d4b-b534-4822d3c0297b" xmlns:ns3="d105cd02-f242-4b57-b36a-2b84b88f6108" targetNamespace="http://schemas.microsoft.com/office/2006/metadata/properties" ma:root="true" ma:fieldsID="5dff3b6462acfd23d6a98baa8449f01e" ns2:_="" ns3:_="">
     <xsd:import namespace="d6899de3-1125-4d4b-b534-4822d3c0297b"/>
@@ -6561,27 +7223,26 @@
 </ct:contentTypeSchema>
 </file>
 
-<file path=customXml/item2.xml><?xml version="1.0" encoding="utf-8"?>
-<?mso-contentType ?>
-<FormTemplates xmlns="http://schemas.microsoft.com/sharepoint/v3/contenttype/forms">
-  <Display>DocumentLibraryForm</Display>
-  <Edit>DocumentLibraryForm</Edit>
-  <New>DocumentLibraryForm</New>
-</FormTemplates>
+<file path=customXml/itemProps1.xml><?xml version="1.0" encoding="utf-8"?>
+<ds:datastoreItem xmlns:ds="http://schemas.openxmlformats.org/officeDocument/2006/customXml" ds:itemID="{98676A2F-3173-45D1-83A8-D056D89C5CF4}">
+  <ds:schemaRefs>
+    <ds:schemaRef ds:uri="http://schemas.microsoft.com/office/2006/metadata/properties"/>
+    <ds:schemaRef ds:uri="http://schemas.microsoft.com/office/infopath/2007/PartnerControls"/>
+    <ds:schemaRef ds:uri="d6899de3-1125-4d4b-b534-4822d3c0297b"/>
+    <ds:schemaRef ds:uri="d105cd02-f242-4b57-b36a-2b84b88f6108"/>
+  </ds:schemaRefs>
+</ds:datastoreItem>
 </file>
 
-<file path=customXml/item3.xml><?xml version="1.0" encoding="utf-8"?>
-<p:properties xmlns:p="http://schemas.microsoft.com/office/2006/metadata/properties" xmlns:xsi="http://www.w3.org/2001/XMLSchema-instance" xmlns:pc="http://schemas.microsoft.com/office/infopath/2007/PartnerControls">
-  <documentManagement>
-    <lcf76f155ced4ddcb4097134ff3c332f xmlns="d6899de3-1125-4d4b-b534-4822d3c0297b">
-      <Terms xmlns="http://schemas.microsoft.com/office/infopath/2007/PartnerControls"/>
-    </lcf76f155ced4ddcb4097134ff3c332f>
-    <TaxCatchAll xmlns="d105cd02-f242-4b57-b36a-2b84b88f6108" xsi:nil="true"/>
-  </documentManagement>
-</p:properties>
+<file path=customXml/itemProps2.xml><?xml version="1.0" encoding="utf-8"?>
+<ds:datastoreItem xmlns:ds="http://schemas.openxmlformats.org/officeDocument/2006/customXml" ds:itemID="{D2ECA147-2494-4F76-8E6D-6CE2BA0DF9A6}">
+  <ds:schemaRefs>
+    <ds:schemaRef ds:uri="http://schemas.microsoft.com/sharepoint/v3/contenttype/forms"/>
+  </ds:schemaRefs>
+</ds:datastoreItem>
 </file>
 
-<file path=customXml/itemProps1.xml><?xml version="1.0" encoding="utf-8"?>
+<file path=customXml/itemProps3.xml><?xml version="1.0" encoding="utf-8"?>
 <ds:datastoreItem xmlns:ds="http://schemas.openxmlformats.org/officeDocument/2006/customXml" ds:itemID="{4BE7F689-3E48-441B-95DA-179F2A5FFC3F}">
   <ds:schemaRefs>
     <ds:schemaRef ds:uri="http://schemas.microsoft.com/office/2006/metadata/contentType"/>
@@ -6598,23 +7259,4 @@
     <ds:schemaRef ds:uri="http://schemas.microsoft.com/internal/obd"/>
   </ds:schemaRefs>
 </ds:datastoreItem>
-</file>
-
-<file path=customXml/itemProps2.xml><?xml version="1.0" encoding="utf-8"?>
-<ds:datastoreItem xmlns:ds="http://schemas.openxmlformats.org/officeDocument/2006/customXml" ds:itemID="{D2ECA147-2494-4F76-8E6D-6CE2BA0DF9A6}">
-  <ds:schemaRefs>
-    <ds:schemaRef ds:uri="http://schemas.microsoft.com/sharepoint/v3/contenttype/forms"/>
-  </ds:schemaRefs>
-</ds:datastoreItem>
-</file>
-
-<file path=customXml/itemProps3.xml><?xml version="1.0" encoding="utf-8"?>
-<ds:datastoreItem xmlns:ds="http://schemas.openxmlformats.org/officeDocument/2006/customXml" ds:itemID="{98676A2F-3173-45D1-83A8-D056D89C5CF4}">
-  <ds:schemaRefs>
-    <ds:schemaRef ds:uri="http://schemas.microsoft.com/office/2006/metadata/properties"/>
-    <ds:schemaRef ds:uri="http://schemas.microsoft.com/office/infopath/2007/PartnerControls"/>
-    <ds:schemaRef ds:uri="d6899de3-1125-4d4b-b534-4822d3c0297b"/>
-    <ds:schemaRef ds:uri="d105cd02-f242-4b57-b36a-2b84b88f6108"/>
-  </ds:schemaRefs>
-</ds:datastoreItem>
 </file>
--- a/Report/mid/中間ポスター_佐野.pptx
+++ b/Report/mid/中間ポスター_佐野.pptx
@@ -4187,7 +4187,8 @@
       <p:bgPr>
         <a:solidFill>
           <a:schemeClr val="accent1">
-            <a:lumMod val="75000"/>
+            <a:lumMod val="60000"/>
+            <a:lumOff val="40000"/>
             <a:alpha val="40000"/>
           </a:schemeClr>
         </a:solidFill>
@@ -4273,7 +4274,7 @@
                 <a:latin typeface="UD デジタル 教科書体 N-B" panose="02020700000000000000" pitchFamily="17" charset="-128"/>
                 <a:ea typeface="UD デジタル 教科書体 N-B" panose="02020700000000000000" pitchFamily="17" charset="-128"/>
               </a:rPr>
-              <a:t>C-4 </a:t>
+              <a:t>C-3 </a:t>
             </a:r>
             <a:r>
               <a:rPr kumimoji="1" lang="ja-JP" altLang="en-US" sz="7200" dirty="0">
@@ -5160,7 +5161,7 @@
         <p:spPr>
           <a:xfrm>
             <a:off x="448613" y="10114682"/>
-            <a:ext cx="25310812" cy="17425937"/>
+            <a:ext cx="25310812" cy="15967096"/>
           </a:xfrm>
           <a:prstGeom prst="roundRect">
             <a:avLst>
@@ -5392,7 +5393,7 @@
         </p:nvSpPr>
         <p:spPr>
           <a:xfrm>
-            <a:off x="758326" y="14659512"/>
+            <a:off x="758325" y="14174469"/>
             <a:ext cx="8568951" cy="4432432"/>
           </a:xfrm>
           <a:prstGeom prst="rect">
@@ -5535,7 +5536,7 @@
         </p:nvSpPr>
         <p:spPr>
           <a:xfrm>
-            <a:off x="4337638" y="16315635"/>
+            <a:off x="4337637" y="15830592"/>
             <a:ext cx="576064" cy="2776309"/>
           </a:xfrm>
           <a:prstGeom prst="rightBrace">
@@ -5587,7 +5588,7 @@
         </p:nvSpPr>
         <p:spPr>
           <a:xfrm>
-            <a:off x="16880765" y="14741928"/>
+            <a:off x="16880764" y="14256885"/>
             <a:ext cx="8568952" cy="4432432"/>
           </a:xfrm>
           <a:prstGeom prst="rect">
@@ -5730,7 +5731,7 @@
         </p:nvSpPr>
         <p:spPr>
           <a:xfrm>
-            <a:off x="20460077" y="16398051"/>
+            <a:off x="20460076" y="15913008"/>
             <a:ext cx="576064" cy="2776309"/>
           </a:xfrm>
           <a:prstGeom prst="rightBrace">
@@ -5782,7 +5783,7 @@
         </p:nvSpPr>
         <p:spPr>
           <a:xfrm>
-            <a:off x="15473449" y="16887046"/>
+            <a:off x="15473448" y="16402003"/>
             <a:ext cx="1021782" cy="1224136"/>
           </a:xfrm>
           <a:prstGeom prst="rightArrow">
@@ -5859,7 +5860,7 @@
         </p:blipFill>
         <p:spPr>
           <a:xfrm>
-            <a:off x="9712811" y="15814501"/>
+            <a:off x="9712810" y="15329458"/>
             <a:ext cx="5170823" cy="3359859"/>
           </a:xfrm>
           <a:prstGeom prst="roundRect">
@@ -5892,7 +5893,7 @@
         <p:spPr>
           <a:xfrm>
             <a:off x="758325" y="13220980"/>
-            <a:ext cx="8568951" cy="1352037"/>
+            <a:ext cx="8568951" cy="1015663"/>
           </a:xfrm>
           <a:prstGeom prst="rect">
             <a:avLst/>
@@ -5905,11 +5906,6 @@
           </a:bodyPr>
           <a:lstStyle/>
           <a:p>
-            <a:pPr>
-              <a:lnSpc>
-                <a:spcPct val="150000"/>
-              </a:lnSpc>
-            </a:pPr>
             <a:r>
               <a:rPr lang="en-US" altLang="ja-JP" sz="6000" dirty="0">
                 <a:solidFill>
@@ -5960,8 +5956,8 @@
         </p:nvSpPr>
         <p:spPr>
           <a:xfrm>
-            <a:off x="758324" y="19601724"/>
-            <a:ext cx="13988979" cy="1016112"/>
+            <a:off x="758325" y="18899481"/>
+            <a:ext cx="13988979" cy="769441"/>
           </a:xfrm>
           <a:prstGeom prst="rect">
             <a:avLst/>
@@ -5974,11 +5970,6 @@
           </a:bodyPr>
           <a:lstStyle/>
           <a:p>
-            <a:pPr>
-              <a:lnSpc>
-                <a:spcPct val="150000"/>
-              </a:lnSpc>
-            </a:pPr>
             <a:r>
               <a:rPr lang="ja-JP" altLang="en-US" sz="4400" dirty="0">
                 <a:solidFill>
@@ -6045,8 +6036,8 @@
         </p:nvSpPr>
         <p:spPr>
           <a:xfrm>
-            <a:off x="758324" y="20612376"/>
-            <a:ext cx="8568951" cy="1352037"/>
+            <a:off x="758325" y="19825586"/>
+            <a:ext cx="8568951" cy="1015663"/>
           </a:xfrm>
           <a:prstGeom prst="rect">
             <a:avLst/>
@@ -6059,11 +6050,6 @@
           </a:bodyPr>
           <a:lstStyle/>
           <a:p>
-            <a:pPr>
-              <a:lnSpc>
-                <a:spcPct val="150000"/>
-              </a:lnSpc>
-            </a:pPr>
             <a:r>
               <a:rPr lang="en-US" altLang="ja-JP" sz="6000" dirty="0">
                 <a:solidFill>
@@ -6114,7 +6100,7 @@
         </p:nvSpPr>
         <p:spPr>
           <a:xfrm>
-            <a:off x="758323" y="22041279"/>
+            <a:off x="763980" y="20778161"/>
             <a:ext cx="5216903" cy="1016112"/>
           </a:xfrm>
           <a:prstGeom prst="rect">
@@ -6187,7 +6173,7 @@
         </p:blipFill>
         <p:spPr>
           <a:xfrm>
-            <a:off x="1078683" y="23646602"/>
+            <a:off x="1038768" y="21970361"/>
             <a:ext cx="4589303" cy="3243107"/>
           </a:xfrm>
           <a:prstGeom prst="roundRect">
@@ -6219,8 +6205,8 @@
         </p:nvSpPr>
         <p:spPr>
           <a:xfrm>
-            <a:off x="7343379" y="22041279"/>
-            <a:ext cx="7737183" cy="1016112"/>
+            <a:off x="7019986" y="20778161"/>
+            <a:ext cx="7452185" cy="1016112"/>
           </a:xfrm>
           <a:prstGeom prst="rect">
             <a:avLst/>
@@ -6293,15 +6279,20 @@
         </p:blipFill>
         <p:spPr bwMode="auto">
           <a:xfrm>
-            <a:off x="7752813" y="23646601"/>
+            <a:off x="7502065" y="21970360"/>
             <a:ext cx="6488025" cy="3243108"/>
           </a:xfrm>
           <a:prstGeom prst="rect">
             <a:avLst/>
           </a:prstGeom>
           <a:noFill/>
-          <a:ln>
-            <a:noFill/>
+          <a:ln w="76200">
+            <a:solidFill>
+              <a:schemeClr val="accent1">
+                <a:lumMod val="60000"/>
+                <a:lumOff val="40000"/>
+              </a:schemeClr>
+            </a:solidFill>
           </a:ln>
         </p:spPr>
       </p:pic>
@@ -6319,7 +6310,7 @@
         </p:nvSpPr>
         <p:spPr>
           <a:xfrm>
-            <a:off x="16113677" y="22041279"/>
+            <a:off x="16119334" y="20778161"/>
             <a:ext cx="9159694" cy="1016112"/>
           </a:xfrm>
           <a:prstGeom prst="rect">
@@ -6392,7 +6383,7 @@
         </p:blipFill>
         <p:spPr>
           <a:xfrm>
-            <a:off x="15984339" y="23646601"/>
+            <a:off x="16024015" y="21970362"/>
             <a:ext cx="4324143" cy="3243108"/>
           </a:xfrm>
           <a:prstGeom prst="roundRect">
@@ -6438,7 +6429,7 @@
         </p:blipFill>
         <p:spPr>
           <a:xfrm>
-            <a:off x="21125572" y="23646602"/>
+            <a:off x="20954885" y="21970362"/>
             <a:ext cx="4324143" cy="3243107"/>
           </a:xfrm>
           <a:prstGeom prst="roundRect">
@@ -6456,6 +6447,1746 @@
           </a:ln>
         </p:spPr>
       </p:pic>
+      <p:sp>
+        <p:nvSpPr>
+          <p:cNvPr id="8" name="テキスト ボックス 7">
+            <a:extLst>
+              <a:ext uri="{FF2B5EF4-FFF2-40B4-BE49-F238E27FC236}">
+                <a16:creationId xmlns:a16="http://schemas.microsoft.com/office/drawing/2014/main" id="{5B98A338-0159-0F9C-E7C9-F9CC5FE357A0}"/>
+              </a:ext>
+            </a:extLst>
+          </p:cNvPr>
+          <p:cNvSpPr txBox="1"/>
+          <p:nvPr/>
+        </p:nvSpPr>
+        <p:spPr>
+          <a:xfrm>
+            <a:off x="16883610" y="25312337"/>
+            <a:ext cx="2750675" cy="769441"/>
+          </a:xfrm>
+          <a:prstGeom prst="rect">
+            <a:avLst/>
+          </a:prstGeom>
+          <a:noFill/>
+        </p:spPr>
+        <p:txBody>
+          <a:bodyPr wrap="square" rtlCol="0">
+            <a:spAutoFit/>
+          </a:bodyPr>
+          <a:lstStyle/>
+          <a:p>
+            <a:r>
+              <a:rPr kumimoji="1" lang="ja-JP" altLang="en-US" sz="4400" dirty="0">
+                <a:solidFill>
+                  <a:schemeClr val="tx1">
+                    <a:lumMod val="75000"/>
+                    <a:lumOff val="25000"/>
+                  </a:schemeClr>
+                </a:solidFill>
+                <a:latin typeface="UD デジタル 教科書体 N-B" panose="02020700000000000000" pitchFamily="17" charset="-128"/>
+                <a:ea typeface="UD デジタル 教科書体 N-B" panose="02020700000000000000" pitchFamily="17" charset="-128"/>
+              </a:rPr>
+              <a:t>パターン</a:t>
+            </a:r>
+            <a:r>
+              <a:rPr kumimoji="1" lang="en-US" altLang="ja-JP" sz="4400" dirty="0">
+                <a:solidFill>
+                  <a:schemeClr val="tx1">
+                    <a:lumMod val="75000"/>
+                    <a:lumOff val="25000"/>
+                  </a:schemeClr>
+                </a:solidFill>
+                <a:latin typeface="UD デジタル 教科書体 N-B" panose="02020700000000000000" pitchFamily="17" charset="-128"/>
+                <a:ea typeface="UD デジタル 教科書体 N-B" panose="02020700000000000000" pitchFamily="17" charset="-128"/>
+              </a:rPr>
+              <a:t>1</a:t>
+            </a:r>
+            <a:endParaRPr kumimoji="1" lang="ja-JP" altLang="en-US" sz="4400" dirty="0">
+              <a:solidFill>
+                <a:schemeClr val="tx1">
+                  <a:lumMod val="75000"/>
+                  <a:lumOff val="25000"/>
+                </a:schemeClr>
+              </a:solidFill>
+              <a:latin typeface="UD デジタル 教科書体 N-B" panose="02020700000000000000" pitchFamily="17" charset="-128"/>
+              <a:ea typeface="UD デジタル 教科書体 N-B" panose="02020700000000000000" pitchFamily="17" charset="-128"/>
+            </a:endParaRPr>
+          </a:p>
+        </p:txBody>
+      </p:sp>
+      <p:sp>
+        <p:nvSpPr>
+          <p:cNvPr id="14" name="テキスト ボックス 13">
+            <a:extLst>
+              <a:ext uri="{FF2B5EF4-FFF2-40B4-BE49-F238E27FC236}">
+                <a16:creationId xmlns:a16="http://schemas.microsoft.com/office/drawing/2014/main" id="{8EFE04A2-0CE7-B32A-EA33-D8F3B56BFD77}"/>
+              </a:ext>
+            </a:extLst>
+          </p:cNvPr>
+          <p:cNvSpPr txBox="1"/>
+          <p:nvPr/>
+        </p:nvSpPr>
+        <p:spPr>
+          <a:xfrm>
+            <a:off x="21741618" y="25312338"/>
+            <a:ext cx="2750675" cy="769441"/>
+          </a:xfrm>
+          <a:prstGeom prst="rect">
+            <a:avLst/>
+          </a:prstGeom>
+          <a:noFill/>
+        </p:spPr>
+        <p:txBody>
+          <a:bodyPr wrap="square" rtlCol="0">
+            <a:spAutoFit/>
+          </a:bodyPr>
+          <a:lstStyle/>
+          <a:p>
+            <a:r>
+              <a:rPr kumimoji="1" lang="ja-JP" altLang="en-US" sz="4400" dirty="0">
+                <a:solidFill>
+                  <a:schemeClr val="tx1">
+                    <a:lumMod val="75000"/>
+                    <a:lumOff val="25000"/>
+                  </a:schemeClr>
+                </a:solidFill>
+                <a:latin typeface="UD デジタル 教科書体 N-B" panose="02020700000000000000" pitchFamily="17" charset="-128"/>
+                <a:ea typeface="UD デジタル 教科書体 N-B" panose="02020700000000000000" pitchFamily="17" charset="-128"/>
+              </a:rPr>
+              <a:t>パターン</a:t>
+            </a:r>
+            <a:r>
+              <a:rPr lang="en-US" altLang="ja-JP" sz="4400" dirty="0">
+                <a:solidFill>
+                  <a:schemeClr val="tx1">
+                    <a:lumMod val="75000"/>
+                    <a:lumOff val="25000"/>
+                  </a:schemeClr>
+                </a:solidFill>
+                <a:latin typeface="UD デジタル 教科書体 N-B" panose="02020700000000000000" pitchFamily="17" charset="-128"/>
+                <a:ea typeface="UD デジタル 教科書体 N-B" panose="02020700000000000000" pitchFamily="17" charset="-128"/>
+              </a:rPr>
+              <a:t>2</a:t>
+            </a:r>
+            <a:endParaRPr kumimoji="1" lang="ja-JP" altLang="en-US" sz="4400" dirty="0">
+              <a:solidFill>
+                <a:schemeClr val="tx1">
+                  <a:lumMod val="75000"/>
+                  <a:lumOff val="25000"/>
+                </a:schemeClr>
+              </a:solidFill>
+              <a:latin typeface="UD デジタル 教科書体 N-B" panose="02020700000000000000" pitchFamily="17" charset="-128"/>
+              <a:ea typeface="UD デジタル 教科書体 N-B" panose="02020700000000000000" pitchFamily="17" charset="-128"/>
+            </a:endParaRPr>
+          </a:p>
+        </p:txBody>
+      </p:sp>
+      <p:sp>
+        <p:nvSpPr>
+          <p:cNvPr id="66" name="四角形: 角を丸くする 65">
+            <a:extLst>
+              <a:ext uri="{FF2B5EF4-FFF2-40B4-BE49-F238E27FC236}">
+                <a16:creationId xmlns:a16="http://schemas.microsoft.com/office/drawing/2014/main" id="{2AB70553-AD1A-21F5-0871-0B17419AD692}"/>
+              </a:ext>
+            </a:extLst>
+          </p:cNvPr>
+          <p:cNvSpPr/>
+          <p:nvPr/>
+        </p:nvSpPr>
+        <p:spPr>
+          <a:xfrm>
+            <a:off x="498421" y="26657841"/>
+            <a:ext cx="16241336" cy="10027794"/>
+          </a:xfrm>
+          <a:prstGeom prst="roundRect">
+            <a:avLst>
+              <a:gd name="adj" fmla="val 2906"/>
+            </a:avLst>
+          </a:prstGeom>
+          <a:solidFill>
+            <a:schemeClr val="bg1"/>
+          </a:solidFill>
+          <a:ln>
+            <a:solidFill>
+              <a:schemeClr val="bg1"/>
+            </a:solidFill>
+          </a:ln>
+        </p:spPr>
+        <p:style>
+          <a:lnRef idx="2">
+            <a:schemeClr val="accent1">
+              <a:shade val="50000"/>
+            </a:schemeClr>
+          </a:lnRef>
+          <a:fillRef idx="1">
+            <a:schemeClr val="accent1"/>
+          </a:fillRef>
+          <a:effectRef idx="0">
+            <a:schemeClr val="accent1"/>
+          </a:effectRef>
+          <a:fontRef idx="minor">
+            <a:schemeClr val="lt1"/>
+          </a:fontRef>
+        </p:style>
+        <p:txBody>
+          <a:bodyPr rtlCol="0" anchor="t" anchorCtr="0"/>
+          <a:lstStyle/>
+          <a:p>
+            <a:r>
+              <a:rPr lang="ja-JP" altLang="en-US" sz="6600" dirty="0">
+                <a:solidFill>
+                  <a:schemeClr val="tx1">
+                    <a:lumMod val="75000"/>
+                    <a:lumOff val="25000"/>
+                  </a:schemeClr>
+                </a:solidFill>
+                <a:latin typeface="UD デジタル 教科書体 N-B" panose="02020700000000000000" pitchFamily="17" charset="-128"/>
+                <a:ea typeface="UD デジタル 教科書体 N-B" panose="02020700000000000000" pitchFamily="17" charset="-128"/>
+              </a:rPr>
+              <a:t>研究結果</a:t>
+            </a:r>
+            <a:endParaRPr lang="en-US" altLang="ja-JP" sz="6600" dirty="0">
+              <a:solidFill>
+                <a:schemeClr val="tx1">
+                  <a:lumMod val="75000"/>
+                  <a:lumOff val="25000"/>
+                </a:schemeClr>
+              </a:solidFill>
+              <a:latin typeface="UD デジタル 教科書体 N-B" panose="02020700000000000000" pitchFamily="17" charset="-128"/>
+              <a:ea typeface="UD デジタル 教科書体 N-B" panose="02020700000000000000" pitchFamily="17" charset="-128"/>
+            </a:endParaRPr>
+          </a:p>
+          <a:p>
+            <a:pPr>
+              <a:lnSpc>
+                <a:spcPct val="150000"/>
+              </a:lnSpc>
+            </a:pPr>
+            <a:r>
+              <a:rPr lang="ja-JP" altLang="en-US" sz="4400" dirty="0">
+                <a:solidFill>
+                  <a:schemeClr val="accent2"/>
+                </a:solidFill>
+                <a:latin typeface="UD デジタル 教科書体 N-B" panose="02020700000000000000" pitchFamily="17" charset="-128"/>
+                <a:ea typeface="UD デジタル 教科書体 N-B" panose="02020700000000000000" pitchFamily="17" charset="-128"/>
+              </a:rPr>
+              <a:t>ペンの位置の違いでカメラ位置推定精度に大きな差が生じた。</a:t>
+            </a:r>
+            <a:endParaRPr lang="en-US" altLang="ja-JP" sz="4800" dirty="0">
+              <a:solidFill>
+                <a:schemeClr val="tx1">
+                  <a:lumMod val="75000"/>
+                  <a:lumOff val="25000"/>
+                </a:schemeClr>
+              </a:solidFill>
+              <a:latin typeface="UD デジタル 教科書体 N-B" panose="02020700000000000000" pitchFamily="17" charset="-128"/>
+              <a:ea typeface="UD デジタル 教科書体 N-B" panose="02020700000000000000" pitchFamily="17" charset="-128"/>
+            </a:endParaRPr>
+          </a:p>
+          <a:p>
+            <a:pPr>
+              <a:lnSpc>
+                <a:spcPct val="150000"/>
+              </a:lnSpc>
+            </a:pPr>
+            <a:endParaRPr lang="en-US" altLang="ja-JP" sz="4400" dirty="0">
+              <a:solidFill>
+                <a:schemeClr val="accent2"/>
+              </a:solidFill>
+              <a:latin typeface="UD デジタル 教科書体 N-B" panose="02020700000000000000" pitchFamily="17" charset="-128"/>
+              <a:ea typeface="UD デジタル 教科書体 N-B" panose="02020700000000000000" pitchFamily="17" charset="-128"/>
+            </a:endParaRPr>
+          </a:p>
+        </p:txBody>
+      </p:sp>
+      <p:graphicFrame>
+        <p:nvGraphicFramePr>
+          <p:cNvPr id="69" name="表 68">
+            <a:extLst>
+              <a:ext uri="{FF2B5EF4-FFF2-40B4-BE49-F238E27FC236}">
+                <a16:creationId xmlns:a16="http://schemas.microsoft.com/office/drawing/2014/main" id="{96B60608-5EFF-5C0E-F51F-F6649BA03C81}"/>
+              </a:ext>
+            </a:extLst>
+          </p:cNvPr>
+          <p:cNvGraphicFramePr>
+            <a:graphicFrameLocks noGrp="1"/>
+          </p:cNvGraphicFramePr>
+          <p:nvPr>
+            <p:extLst>
+              <p:ext uri="{D42A27DB-BD31-4B8C-83A1-F6EECF244321}">
+                <p14:modId xmlns:p14="http://schemas.microsoft.com/office/powerpoint/2010/main" val="1720445335"/>
+              </p:ext>
+            </p:extLst>
+          </p:nvPr>
+        </p:nvGraphicFramePr>
+        <p:xfrm>
+          <a:off x="1798763" y="29988891"/>
+          <a:ext cx="13537978" cy="4104456"/>
+        </p:xfrm>
+        <a:graphic>
+          <a:graphicData uri="http://schemas.openxmlformats.org/drawingml/2006/table">
+            <a:tbl>
+              <a:tblPr/>
+              <a:tblGrid>
+                <a:gridCol w="2631206">
+                  <a:extLst>
+                    <a:ext uri="{9D8B030D-6E8A-4147-A177-3AD203B41FA5}">
+                      <a16:colId xmlns:a16="http://schemas.microsoft.com/office/drawing/2014/main" val="1645237914"/>
+                    </a:ext>
+                  </a:extLst>
+                </a:gridCol>
+                <a:gridCol w="3649737">
+                  <a:extLst>
+                    <a:ext uri="{9D8B030D-6E8A-4147-A177-3AD203B41FA5}">
+                      <a16:colId xmlns:a16="http://schemas.microsoft.com/office/drawing/2014/main" val="3113733918"/>
+                    </a:ext>
+                  </a:extLst>
+                </a:gridCol>
+                <a:gridCol w="3669534">
+                  <a:extLst>
+                    <a:ext uri="{9D8B030D-6E8A-4147-A177-3AD203B41FA5}">
+                      <a16:colId xmlns:a16="http://schemas.microsoft.com/office/drawing/2014/main" val="3948176161"/>
+                    </a:ext>
+                  </a:extLst>
+                </a:gridCol>
+                <a:gridCol w="3587501">
+                  <a:extLst>
+                    <a:ext uri="{9D8B030D-6E8A-4147-A177-3AD203B41FA5}">
+                      <a16:colId xmlns:a16="http://schemas.microsoft.com/office/drawing/2014/main" val="511495944"/>
+                    </a:ext>
+                  </a:extLst>
+                </a:gridCol>
+              </a:tblGrid>
+              <a:tr h="1368152">
+                <a:tc>
+                  <a:txBody>
+                    <a:bodyPr/>
+                    <a:lstStyle/>
+                    <a:p>
+                      <a:pPr algn="ctr" fontAlgn="b"/>
+                      <a:r>
+                        <a:rPr lang="ja-JP" altLang="en-US" sz="4000" b="0" i="0" u="none" strike="noStrike" dirty="0">
+                          <a:solidFill>
+                            <a:schemeClr val="tx1">
+                              <a:lumMod val="75000"/>
+                              <a:lumOff val="25000"/>
+                            </a:schemeClr>
+                          </a:solidFill>
+                          <a:effectLst/>
+                          <a:latin typeface="UD デジタル 教科書体 N-B" panose="02020700000000000000" pitchFamily="17" charset="-128"/>
+                          <a:ea typeface="UD デジタル 教科書体 N-B" panose="02020700000000000000" pitchFamily="17" charset="-128"/>
+                        </a:rPr>
+                        <a:t>　</a:t>
+                      </a:r>
+                    </a:p>
+                  </a:txBody>
+                  <a:tcPr marL="6350" marR="6350" marT="6350" marB="0" anchor="ctr">
+                    <a:lnL w="38100" cap="flat" cmpd="sng" algn="ctr">
+                      <a:solidFill>
+                        <a:schemeClr val="tx1"/>
+                      </a:solidFill>
+                      <a:prstDash val="solid"/>
+                      <a:round/>
+                      <a:headEnd type="none" w="med" len="med"/>
+                      <a:tailEnd type="none" w="med" len="med"/>
+                    </a:lnL>
+                    <a:lnR w="38100" cap="flat" cmpd="sng" algn="ctr">
+                      <a:solidFill>
+                        <a:schemeClr val="tx1"/>
+                      </a:solidFill>
+                      <a:prstDash val="solid"/>
+                      <a:round/>
+                      <a:headEnd type="none" w="med" len="med"/>
+                      <a:tailEnd type="none" w="med" len="med"/>
+                    </a:lnR>
+                    <a:lnT w="38100" cap="flat" cmpd="sng" algn="ctr">
+                      <a:solidFill>
+                        <a:schemeClr val="tx1"/>
+                      </a:solidFill>
+                      <a:prstDash val="solid"/>
+                      <a:round/>
+                      <a:headEnd type="none" w="med" len="med"/>
+                      <a:tailEnd type="none" w="med" len="med"/>
+                    </a:lnT>
+                    <a:lnB w="38100" cap="flat" cmpd="sng" algn="ctr">
+                      <a:solidFill>
+                        <a:schemeClr val="tx1"/>
+                      </a:solidFill>
+                      <a:prstDash val="solid"/>
+                      <a:round/>
+                      <a:headEnd type="none" w="med" len="med"/>
+                      <a:tailEnd type="none" w="med" len="med"/>
+                    </a:lnB>
+                    <a:lnTlToBr w="38100" cap="flat" cmpd="sng" algn="ctr">
+                      <a:solidFill>
+                        <a:schemeClr val="tx1"/>
+                      </a:solidFill>
+                      <a:prstDash val="solid"/>
+                      <a:round/>
+                      <a:headEnd type="none" w="med" len="med"/>
+                      <a:tailEnd type="none" w="med" len="med"/>
+                    </a:lnTlToBr>
+                  </a:tcPr>
+                </a:tc>
+                <a:tc>
+                  <a:txBody>
+                    <a:bodyPr/>
+                    <a:lstStyle/>
+                    <a:p>
+                      <a:pPr algn="ctr" fontAlgn="b"/>
+                      <a:r>
+                        <a:rPr lang="en-US" sz="4000" b="0" i="0" u="none" strike="noStrike" dirty="0">
+                          <a:solidFill>
+                            <a:schemeClr val="tx1">
+                              <a:lumMod val="75000"/>
+                              <a:lumOff val="25000"/>
+                            </a:schemeClr>
+                          </a:solidFill>
+                          <a:effectLst/>
+                          <a:latin typeface="UD デジタル 教科書体 N-B" panose="02020700000000000000" pitchFamily="17" charset="-128"/>
+                          <a:ea typeface="UD デジタル 教科書体 N-B" panose="02020700000000000000" pitchFamily="17" charset="-128"/>
+                        </a:rPr>
+                        <a:t>X</a:t>
+                      </a:r>
+                      <a:r>
+                        <a:rPr lang="ja-JP" altLang="en-US" sz="4000" b="0" i="0" u="none" strike="noStrike" dirty="0">
+                          <a:solidFill>
+                            <a:schemeClr val="tx1">
+                              <a:lumMod val="75000"/>
+                              <a:lumOff val="25000"/>
+                            </a:schemeClr>
+                          </a:solidFill>
+                          <a:effectLst/>
+                          <a:latin typeface="UD デジタル 教科書体 N-B" panose="02020700000000000000" pitchFamily="17" charset="-128"/>
+                          <a:ea typeface="UD デジタル 教科書体 N-B" panose="02020700000000000000" pitchFamily="17" charset="-128"/>
+                        </a:rPr>
+                        <a:t>平均誤差</a:t>
+                      </a:r>
+                      <a:r>
+                        <a:rPr lang="en-US" altLang="ja-JP" sz="4000" b="0" i="0" u="none" strike="noStrike" dirty="0">
+                          <a:solidFill>
+                            <a:schemeClr val="tx1">
+                              <a:lumMod val="75000"/>
+                              <a:lumOff val="25000"/>
+                            </a:schemeClr>
+                          </a:solidFill>
+                          <a:effectLst/>
+                          <a:latin typeface="UD デジタル 教科書体 N-B" panose="02020700000000000000" pitchFamily="17" charset="-128"/>
+                          <a:ea typeface="UD デジタル 教科書体 N-B" panose="02020700000000000000" pitchFamily="17" charset="-128"/>
+                        </a:rPr>
+                        <a:t>[</a:t>
+                      </a:r>
+                      <a:r>
+                        <a:rPr lang="en-US" sz="4000" b="0" i="0" u="none" strike="noStrike" dirty="0">
+                          <a:solidFill>
+                            <a:schemeClr val="tx1">
+                              <a:lumMod val="75000"/>
+                              <a:lumOff val="25000"/>
+                            </a:schemeClr>
+                          </a:solidFill>
+                          <a:effectLst/>
+                          <a:latin typeface="UD デジタル 教科書体 N-B" panose="02020700000000000000" pitchFamily="17" charset="-128"/>
+                          <a:ea typeface="UD デジタル 教科書体 N-B" panose="02020700000000000000" pitchFamily="17" charset="-128"/>
+                        </a:rPr>
+                        <a:t>mm]</a:t>
+                      </a:r>
+                    </a:p>
+                  </a:txBody>
+                  <a:tcPr marL="6350" marR="6350" marT="6350" marB="0" anchor="ctr">
+                    <a:lnL w="38100" cap="flat" cmpd="sng" algn="ctr">
+                      <a:solidFill>
+                        <a:schemeClr val="tx1"/>
+                      </a:solidFill>
+                      <a:prstDash val="solid"/>
+                      <a:round/>
+                      <a:headEnd type="none" w="med" len="med"/>
+                      <a:tailEnd type="none" w="med" len="med"/>
+                    </a:lnL>
+                    <a:lnR w="38100" cap="flat" cmpd="sng" algn="ctr">
+                      <a:solidFill>
+                        <a:schemeClr val="tx1"/>
+                      </a:solidFill>
+                      <a:prstDash val="solid"/>
+                      <a:round/>
+                      <a:headEnd type="none" w="med" len="med"/>
+                      <a:tailEnd type="none" w="med" len="med"/>
+                    </a:lnR>
+                    <a:lnT w="38100" cap="flat" cmpd="sng" algn="ctr">
+                      <a:solidFill>
+                        <a:schemeClr val="tx1"/>
+                      </a:solidFill>
+                      <a:prstDash val="solid"/>
+                      <a:round/>
+                      <a:headEnd type="none" w="med" len="med"/>
+                      <a:tailEnd type="none" w="med" len="med"/>
+                    </a:lnT>
+                    <a:lnB w="38100" cap="flat" cmpd="sng" algn="ctr">
+                      <a:solidFill>
+                        <a:schemeClr val="tx1"/>
+                      </a:solidFill>
+                      <a:prstDash val="solid"/>
+                      <a:round/>
+                      <a:headEnd type="none" w="med" len="med"/>
+                      <a:tailEnd type="none" w="med" len="med"/>
+                    </a:lnB>
+                  </a:tcPr>
+                </a:tc>
+                <a:tc>
+                  <a:txBody>
+                    <a:bodyPr/>
+                    <a:lstStyle/>
+                    <a:p>
+                      <a:pPr algn="ctr" fontAlgn="b"/>
+                      <a:r>
+                        <a:rPr lang="en-US" sz="4000" b="0" i="0" u="none" strike="noStrike">
+                          <a:solidFill>
+                            <a:schemeClr val="tx1">
+                              <a:lumMod val="75000"/>
+                              <a:lumOff val="25000"/>
+                            </a:schemeClr>
+                          </a:solidFill>
+                          <a:effectLst/>
+                          <a:latin typeface="UD デジタル 教科書体 N-B" panose="02020700000000000000" pitchFamily="17" charset="-128"/>
+                          <a:ea typeface="UD デジタル 教科書体 N-B" panose="02020700000000000000" pitchFamily="17" charset="-128"/>
+                        </a:rPr>
+                        <a:t>Y</a:t>
+                      </a:r>
+                      <a:r>
+                        <a:rPr lang="ja-JP" altLang="en-US" sz="4000" b="0" i="0" u="none" strike="noStrike">
+                          <a:solidFill>
+                            <a:schemeClr val="tx1">
+                              <a:lumMod val="75000"/>
+                              <a:lumOff val="25000"/>
+                            </a:schemeClr>
+                          </a:solidFill>
+                          <a:effectLst/>
+                          <a:latin typeface="UD デジタル 教科書体 N-B" panose="02020700000000000000" pitchFamily="17" charset="-128"/>
+                          <a:ea typeface="UD デジタル 教科書体 N-B" panose="02020700000000000000" pitchFamily="17" charset="-128"/>
+                        </a:rPr>
+                        <a:t>平均誤差</a:t>
+                      </a:r>
+                      <a:r>
+                        <a:rPr lang="en-US" altLang="ja-JP" sz="4000" b="0" i="0" u="none" strike="noStrike">
+                          <a:solidFill>
+                            <a:schemeClr val="tx1">
+                              <a:lumMod val="75000"/>
+                              <a:lumOff val="25000"/>
+                            </a:schemeClr>
+                          </a:solidFill>
+                          <a:effectLst/>
+                          <a:latin typeface="UD デジタル 教科書体 N-B" panose="02020700000000000000" pitchFamily="17" charset="-128"/>
+                          <a:ea typeface="UD デジタル 教科書体 N-B" panose="02020700000000000000" pitchFamily="17" charset="-128"/>
+                        </a:rPr>
+                        <a:t>[</a:t>
+                      </a:r>
+                      <a:r>
+                        <a:rPr lang="en-US" sz="4000" b="0" i="0" u="none" strike="noStrike">
+                          <a:solidFill>
+                            <a:schemeClr val="tx1">
+                              <a:lumMod val="75000"/>
+                              <a:lumOff val="25000"/>
+                            </a:schemeClr>
+                          </a:solidFill>
+                          <a:effectLst/>
+                          <a:latin typeface="UD デジタル 教科書体 N-B" panose="02020700000000000000" pitchFamily="17" charset="-128"/>
+                          <a:ea typeface="UD デジタル 教科書体 N-B" panose="02020700000000000000" pitchFamily="17" charset="-128"/>
+                        </a:rPr>
+                        <a:t>mm]</a:t>
+                      </a:r>
+                    </a:p>
+                  </a:txBody>
+                  <a:tcPr marL="6350" marR="6350" marT="6350" marB="0" anchor="ctr">
+                    <a:lnL w="38100" cap="flat" cmpd="sng" algn="ctr">
+                      <a:solidFill>
+                        <a:schemeClr val="tx1"/>
+                      </a:solidFill>
+                      <a:prstDash val="solid"/>
+                      <a:round/>
+                      <a:headEnd type="none" w="med" len="med"/>
+                      <a:tailEnd type="none" w="med" len="med"/>
+                    </a:lnL>
+                    <a:lnR w="38100" cap="flat" cmpd="sng" algn="ctr">
+                      <a:solidFill>
+                        <a:schemeClr val="tx1"/>
+                      </a:solidFill>
+                      <a:prstDash val="solid"/>
+                      <a:round/>
+                      <a:headEnd type="none" w="med" len="med"/>
+                      <a:tailEnd type="none" w="med" len="med"/>
+                    </a:lnR>
+                    <a:lnT w="38100" cap="flat" cmpd="sng" algn="ctr">
+                      <a:solidFill>
+                        <a:schemeClr val="tx1"/>
+                      </a:solidFill>
+                      <a:prstDash val="solid"/>
+                      <a:round/>
+                      <a:headEnd type="none" w="med" len="med"/>
+                      <a:tailEnd type="none" w="med" len="med"/>
+                    </a:lnT>
+                    <a:lnB w="38100" cap="flat" cmpd="sng" algn="ctr">
+                      <a:solidFill>
+                        <a:schemeClr val="tx1"/>
+                      </a:solidFill>
+                      <a:prstDash val="solid"/>
+                      <a:round/>
+                      <a:headEnd type="none" w="med" len="med"/>
+                      <a:tailEnd type="none" w="med" len="med"/>
+                    </a:lnB>
+                  </a:tcPr>
+                </a:tc>
+                <a:tc>
+                  <a:txBody>
+                    <a:bodyPr/>
+                    <a:lstStyle/>
+                    <a:p>
+                      <a:pPr algn="ctr" fontAlgn="b"/>
+                      <a:r>
+                        <a:rPr lang="en-US" sz="4000" b="0" i="0" u="none" strike="noStrike">
+                          <a:solidFill>
+                            <a:schemeClr val="tx1">
+                              <a:lumMod val="75000"/>
+                              <a:lumOff val="25000"/>
+                            </a:schemeClr>
+                          </a:solidFill>
+                          <a:effectLst/>
+                          <a:latin typeface="UD デジタル 教科書体 N-B" panose="02020700000000000000" pitchFamily="17" charset="-128"/>
+                          <a:ea typeface="UD デジタル 教科書体 N-B" panose="02020700000000000000" pitchFamily="17" charset="-128"/>
+                        </a:rPr>
+                        <a:t>Z</a:t>
+                      </a:r>
+                      <a:r>
+                        <a:rPr lang="ja-JP" altLang="en-US" sz="4000" b="0" i="0" u="none" strike="noStrike">
+                          <a:solidFill>
+                            <a:schemeClr val="tx1">
+                              <a:lumMod val="75000"/>
+                              <a:lumOff val="25000"/>
+                            </a:schemeClr>
+                          </a:solidFill>
+                          <a:effectLst/>
+                          <a:latin typeface="UD デジタル 教科書体 N-B" panose="02020700000000000000" pitchFamily="17" charset="-128"/>
+                          <a:ea typeface="UD デジタル 教科書体 N-B" panose="02020700000000000000" pitchFamily="17" charset="-128"/>
+                        </a:rPr>
+                        <a:t>平均誤差</a:t>
+                      </a:r>
+                      <a:r>
+                        <a:rPr lang="en-US" altLang="ja-JP" sz="4000" b="0" i="0" u="none" strike="noStrike">
+                          <a:solidFill>
+                            <a:schemeClr val="tx1">
+                              <a:lumMod val="75000"/>
+                              <a:lumOff val="25000"/>
+                            </a:schemeClr>
+                          </a:solidFill>
+                          <a:effectLst/>
+                          <a:latin typeface="UD デジタル 教科書体 N-B" panose="02020700000000000000" pitchFamily="17" charset="-128"/>
+                          <a:ea typeface="UD デジタル 教科書体 N-B" panose="02020700000000000000" pitchFamily="17" charset="-128"/>
+                        </a:rPr>
+                        <a:t>[</a:t>
+                      </a:r>
+                      <a:r>
+                        <a:rPr lang="en-US" sz="4000" b="0" i="0" u="none" strike="noStrike">
+                          <a:solidFill>
+                            <a:schemeClr val="tx1">
+                              <a:lumMod val="75000"/>
+                              <a:lumOff val="25000"/>
+                            </a:schemeClr>
+                          </a:solidFill>
+                          <a:effectLst/>
+                          <a:latin typeface="UD デジタル 教科書体 N-B" panose="02020700000000000000" pitchFamily="17" charset="-128"/>
+                          <a:ea typeface="UD デジタル 教科書体 N-B" panose="02020700000000000000" pitchFamily="17" charset="-128"/>
+                        </a:rPr>
+                        <a:t>mm]</a:t>
+                      </a:r>
+                    </a:p>
+                  </a:txBody>
+                  <a:tcPr marL="6350" marR="6350" marT="6350" marB="0" anchor="ctr">
+                    <a:lnL w="38100" cap="flat" cmpd="sng" algn="ctr">
+                      <a:solidFill>
+                        <a:schemeClr val="tx1"/>
+                      </a:solidFill>
+                      <a:prstDash val="solid"/>
+                      <a:round/>
+                      <a:headEnd type="none" w="med" len="med"/>
+                      <a:tailEnd type="none" w="med" len="med"/>
+                    </a:lnL>
+                    <a:lnR w="38100" cap="flat" cmpd="sng" algn="ctr">
+                      <a:solidFill>
+                        <a:schemeClr val="tx1"/>
+                      </a:solidFill>
+                      <a:prstDash val="solid"/>
+                      <a:round/>
+                      <a:headEnd type="none" w="med" len="med"/>
+                      <a:tailEnd type="none" w="med" len="med"/>
+                    </a:lnR>
+                    <a:lnT w="38100" cap="flat" cmpd="sng" algn="ctr">
+                      <a:solidFill>
+                        <a:schemeClr val="tx1"/>
+                      </a:solidFill>
+                      <a:prstDash val="solid"/>
+                      <a:round/>
+                      <a:headEnd type="none" w="med" len="med"/>
+                      <a:tailEnd type="none" w="med" len="med"/>
+                    </a:lnT>
+                    <a:lnB w="38100" cap="flat" cmpd="sng" algn="ctr">
+                      <a:solidFill>
+                        <a:schemeClr val="tx1"/>
+                      </a:solidFill>
+                      <a:prstDash val="solid"/>
+                      <a:round/>
+                      <a:headEnd type="none" w="med" len="med"/>
+                      <a:tailEnd type="none" w="med" len="med"/>
+                    </a:lnB>
+                  </a:tcPr>
+                </a:tc>
+                <a:extLst>
+                  <a:ext uri="{0D108BD9-81ED-4DB2-BD59-A6C34878D82A}">
+                    <a16:rowId xmlns:a16="http://schemas.microsoft.com/office/drawing/2014/main" val="2322980686"/>
+                  </a:ext>
+                </a:extLst>
+              </a:tr>
+              <a:tr h="1368152">
+                <a:tc>
+                  <a:txBody>
+                    <a:bodyPr/>
+                    <a:lstStyle/>
+                    <a:p>
+                      <a:pPr algn="ctr" fontAlgn="b"/>
+                      <a:r>
+                        <a:rPr lang="ja-JP" altLang="en-US" sz="4000" b="0" i="0" u="none" strike="noStrike" dirty="0">
+                          <a:solidFill>
+                            <a:schemeClr val="tx1">
+                              <a:lumMod val="75000"/>
+                              <a:lumOff val="25000"/>
+                            </a:schemeClr>
+                          </a:solidFill>
+                          <a:effectLst/>
+                          <a:latin typeface="UD デジタル 教科書体 N-B" panose="02020700000000000000" pitchFamily="17" charset="-128"/>
+                          <a:ea typeface="UD デジタル 教科書体 N-B" panose="02020700000000000000" pitchFamily="17" charset="-128"/>
+                        </a:rPr>
+                        <a:t>パターン</a:t>
+                      </a:r>
+                      <a:r>
+                        <a:rPr lang="en-US" altLang="ja-JP" sz="4000" b="0" i="0" u="none" strike="noStrike" dirty="0">
+                          <a:solidFill>
+                            <a:schemeClr val="tx1">
+                              <a:lumMod val="75000"/>
+                              <a:lumOff val="25000"/>
+                            </a:schemeClr>
+                          </a:solidFill>
+                          <a:effectLst/>
+                          <a:latin typeface="UD デジタル 教科書体 N-B" panose="02020700000000000000" pitchFamily="17" charset="-128"/>
+                          <a:ea typeface="UD デジタル 教科書体 N-B" panose="02020700000000000000" pitchFamily="17" charset="-128"/>
+                        </a:rPr>
+                        <a:t>1</a:t>
+                      </a:r>
+                    </a:p>
+                  </a:txBody>
+                  <a:tcPr marL="6350" marR="6350" marT="6350" marB="0" anchor="ctr">
+                    <a:lnL w="38100" cap="flat" cmpd="sng" algn="ctr">
+                      <a:solidFill>
+                        <a:schemeClr val="tx1"/>
+                      </a:solidFill>
+                      <a:prstDash val="solid"/>
+                      <a:round/>
+                      <a:headEnd type="none" w="med" len="med"/>
+                      <a:tailEnd type="none" w="med" len="med"/>
+                    </a:lnL>
+                    <a:lnR w="38100" cap="flat" cmpd="sng" algn="ctr">
+                      <a:solidFill>
+                        <a:schemeClr val="tx1"/>
+                      </a:solidFill>
+                      <a:prstDash val="solid"/>
+                      <a:round/>
+                      <a:headEnd type="none" w="med" len="med"/>
+                      <a:tailEnd type="none" w="med" len="med"/>
+                    </a:lnR>
+                    <a:lnT w="38100" cap="flat" cmpd="sng" algn="ctr">
+                      <a:solidFill>
+                        <a:schemeClr val="tx1"/>
+                      </a:solidFill>
+                      <a:prstDash val="solid"/>
+                      <a:round/>
+                      <a:headEnd type="none" w="med" len="med"/>
+                      <a:tailEnd type="none" w="med" len="med"/>
+                    </a:lnT>
+                    <a:lnB w="38100" cap="flat" cmpd="sng" algn="ctr">
+                      <a:solidFill>
+                        <a:schemeClr val="tx1"/>
+                      </a:solidFill>
+                      <a:prstDash val="solid"/>
+                      <a:round/>
+                      <a:headEnd type="none" w="med" len="med"/>
+                      <a:tailEnd type="none" w="med" len="med"/>
+                    </a:lnB>
+                  </a:tcPr>
+                </a:tc>
+                <a:tc>
+                  <a:txBody>
+                    <a:bodyPr/>
+                    <a:lstStyle/>
+                    <a:p>
+                      <a:pPr algn="ctr" fontAlgn="b"/>
+                      <a:r>
+                        <a:rPr lang="en-US" altLang="ja-JP" sz="4000" b="0" i="0" u="none" strike="noStrike" dirty="0">
+                          <a:solidFill>
+                            <a:schemeClr val="tx1">
+                              <a:lumMod val="75000"/>
+                              <a:lumOff val="25000"/>
+                            </a:schemeClr>
+                          </a:solidFill>
+                          <a:effectLst/>
+                          <a:latin typeface="UD デジタル 教科書体 N-B" panose="02020700000000000000" pitchFamily="17" charset="-128"/>
+                          <a:ea typeface="UD デジタル 教科書体 N-B" panose="02020700000000000000" pitchFamily="17" charset="-128"/>
+                        </a:rPr>
+                        <a:t>21.4</a:t>
+                      </a:r>
+                    </a:p>
+                  </a:txBody>
+                  <a:tcPr marL="6350" marR="6350" marT="6350" marB="0" anchor="ctr">
+                    <a:lnL w="38100" cap="flat" cmpd="sng" algn="ctr">
+                      <a:solidFill>
+                        <a:schemeClr val="tx1"/>
+                      </a:solidFill>
+                      <a:prstDash val="solid"/>
+                      <a:round/>
+                      <a:headEnd type="none" w="med" len="med"/>
+                      <a:tailEnd type="none" w="med" len="med"/>
+                    </a:lnL>
+                    <a:lnR w="38100" cap="flat" cmpd="sng" algn="ctr">
+                      <a:solidFill>
+                        <a:schemeClr val="tx1"/>
+                      </a:solidFill>
+                      <a:prstDash val="solid"/>
+                      <a:round/>
+                      <a:headEnd type="none" w="med" len="med"/>
+                      <a:tailEnd type="none" w="med" len="med"/>
+                    </a:lnR>
+                    <a:lnT w="38100" cap="flat" cmpd="sng" algn="ctr">
+                      <a:solidFill>
+                        <a:schemeClr val="tx1"/>
+                      </a:solidFill>
+                      <a:prstDash val="solid"/>
+                      <a:round/>
+                      <a:headEnd type="none" w="med" len="med"/>
+                      <a:tailEnd type="none" w="med" len="med"/>
+                    </a:lnT>
+                    <a:lnB w="38100" cap="flat" cmpd="sng" algn="ctr">
+                      <a:solidFill>
+                        <a:schemeClr val="tx1"/>
+                      </a:solidFill>
+                      <a:prstDash val="solid"/>
+                      <a:round/>
+                      <a:headEnd type="none" w="med" len="med"/>
+                      <a:tailEnd type="none" w="med" len="med"/>
+                    </a:lnB>
+                  </a:tcPr>
+                </a:tc>
+                <a:tc>
+                  <a:txBody>
+                    <a:bodyPr/>
+                    <a:lstStyle/>
+                    <a:p>
+                      <a:pPr algn="ctr" fontAlgn="b"/>
+                      <a:r>
+                        <a:rPr lang="en-US" altLang="ja-JP" sz="4000" b="0" i="0" u="none" strike="noStrike" dirty="0">
+                          <a:solidFill>
+                            <a:schemeClr val="tx1">
+                              <a:lumMod val="75000"/>
+                              <a:lumOff val="25000"/>
+                            </a:schemeClr>
+                          </a:solidFill>
+                          <a:effectLst/>
+                          <a:latin typeface="UD デジタル 教科書体 N-B" panose="02020700000000000000" pitchFamily="17" charset="-128"/>
+                          <a:ea typeface="UD デジタル 教科書体 N-B" panose="02020700000000000000" pitchFamily="17" charset="-128"/>
+                        </a:rPr>
+                        <a:t>7.8</a:t>
+                      </a:r>
+                    </a:p>
+                  </a:txBody>
+                  <a:tcPr marL="6350" marR="6350" marT="6350" marB="0" anchor="ctr">
+                    <a:lnL w="38100" cap="flat" cmpd="sng" algn="ctr">
+                      <a:solidFill>
+                        <a:schemeClr val="tx1"/>
+                      </a:solidFill>
+                      <a:prstDash val="solid"/>
+                      <a:round/>
+                      <a:headEnd type="none" w="med" len="med"/>
+                      <a:tailEnd type="none" w="med" len="med"/>
+                    </a:lnL>
+                    <a:lnR w="38100" cap="flat" cmpd="sng" algn="ctr">
+                      <a:solidFill>
+                        <a:schemeClr val="tx1"/>
+                      </a:solidFill>
+                      <a:prstDash val="solid"/>
+                      <a:round/>
+                      <a:headEnd type="none" w="med" len="med"/>
+                      <a:tailEnd type="none" w="med" len="med"/>
+                    </a:lnR>
+                    <a:lnT w="38100" cap="flat" cmpd="sng" algn="ctr">
+                      <a:solidFill>
+                        <a:schemeClr val="tx1"/>
+                      </a:solidFill>
+                      <a:prstDash val="solid"/>
+                      <a:round/>
+                      <a:headEnd type="none" w="med" len="med"/>
+                      <a:tailEnd type="none" w="med" len="med"/>
+                    </a:lnT>
+                    <a:lnB w="38100" cap="flat" cmpd="sng" algn="ctr">
+                      <a:solidFill>
+                        <a:schemeClr val="tx1"/>
+                      </a:solidFill>
+                      <a:prstDash val="solid"/>
+                      <a:round/>
+                      <a:headEnd type="none" w="med" len="med"/>
+                      <a:tailEnd type="none" w="med" len="med"/>
+                    </a:lnB>
+                  </a:tcPr>
+                </a:tc>
+                <a:tc>
+                  <a:txBody>
+                    <a:bodyPr/>
+                    <a:lstStyle/>
+                    <a:p>
+                      <a:pPr algn="ctr" fontAlgn="b"/>
+                      <a:r>
+                        <a:rPr lang="en-US" altLang="ja-JP" sz="4000" b="0" i="0" u="none" strike="noStrike" dirty="0">
+                          <a:solidFill>
+                            <a:schemeClr val="tx1">
+                              <a:lumMod val="75000"/>
+                              <a:lumOff val="25000"/>
+                            </a:schemeClr>
+                          </a:solidFill>
+                          <a:effectLst/>
+                          <a:latin typeface="UD デジタル 教科書体 N-B" panose="02020700000000000000" pitchFamily="17" charset="-128"/>
+                          <a:ea typeface="UD デジタル 教科書体 N-B" panose="02020700000000000000" pitchFamily="17" charset="-128"/>
+                        </a:rPr>
+                        <a:t>5.4</a:t>
+                      </a:r>
+                    </a:p>
+                  </a:txBody>
+                  <a:tcPr marL="6350" marR="6350" marT="6350" marB="0" anchor="ctr">
+                    <a:lnL w="38100" cap="flat" cmpd="sng" algn="ctr">
+                      <a:solidFill>
+                        <a:schemeClr val="tx1"/>
+                      </a:solidFill>
+                      <a:prstDash val="solid"/>
+                      <a:round/>
+                      <a:headEnd type="none" w="med" len="med"/>
+                      <a:tailEnd type="none" w="med" len="med"/>
+                    </a:lnL>
+                    <a:lnR w="38100" cap="flat" cmpd="sng" algn="ctr">
+                      <a:solidFill>
+                        <a:schemeClr val="tx1"/>
+                      </a:solidFill>
+                      <a:prstDash val="solid"/>
+                      <a:round/>
+                      <a:headEnd type="none" w="med" len="med"/>
+                      <a:tailEnd type="none" w="med" len="med"/>
+                    </a:lnR>
+                    <a:lnT w="38100" cap="flat" cmpd="sng" algn="ctr">
+                      <a:solidFill>
+                        <a:schemeClr val="tx1"/>
+                      </a:solidFill>
+                      <a:prstDash val="solid"/>
+                      <a:round/>
+                      <a:headEnd type="none" w="med" len="med"/>
+                      <a:tailEnd type="none" w="med" len="med"/>
+                    </a:lnT>
+                    <a:lnB w="38100" cap="flat" cmpd="sng" algn="ctr">
+                      <a:solidFill>
+                        <a:schemeClr val="tx1"/>
+                      </a:solidFill>
+                      <a:prstDash val="solid"/>
+                      <a:round/>
+                      <a:headEnd type="none" w="med" len="med"/>
+                      <a:tailEnd type="none" w="med" len="med"/>
+                    </a:lnB>
+                  </a:tcPr>
+                </a:tc>
+                <a:extLst>
+                  <a:ext uri="{0D108BD9-81ED-4DB2-BD59-A6C34878D82A}">
+                    <a16:rowId xmlns:a16="http://schemas.microsoft.com/office/drawing/2014/main" val="4179595308"/>
+                  </a:ext>
+                </a:extLst>
+              </a:tr>
+              <a:tr h="1368152">
+                <a:tc>
+                  <a:txBody>
+                    <a:bodyPr/>
+                    <a:lstStyle/>
+                    <a:p>
+                      <a:pPr algn="ctr" fontAlgn="b"/>
+                      <a:r>
+                        <a:rPr lang="ja-JP" altLang="en-US" sz="4000" b="0" i="0" u="none" strike="noStrike">
+                          <a:solidFill>
+                            <a:schemeClr val="tx1">
+                              <a:lumMod val="75000"/>
+                              <a:lumOff val="25000"/>
+                            </a:schemeClr>
+                          </a:solidFill>
+                          <a:effectLst/>
+                          <a:latin typeface="UD デジタル 教科書体 N-B" panose="02020700000000000000" pitchFamily="17" charset="-128"/>
+                          <a:ea typeface="UD デジタル 教科書体 N-B" panose="02020700000000000000" pitchFamily="17" charset="-128"/>
+                        </a:rPr>
+                        <a:t>パターン</a:t>
+                      </a:r>
+                      <a:r>
+                        <a:rPr lang="en-US" altLang="ja-JP" sz="4000" b="0" i="0" u="none" strike="noStrike">
+                          <a:solidFill>
+                            <a:schemeClr val="tx1">
+                              <a:lumMod val="75000"/>
+                              <a:lumOff val="25000"/>
+                            </a:schemeClr>
+                          </a:solidFill>
+                          <a:effectLst/>
+                          <a:latin typeface="UD デジタル 教科書体 N-B" panose="02020700000000000000" pitchFamily="17" charset="-128"/>
+                          <a:ea typeface="UD デジタル 教科書体 N-B" panose="02020700000000000000" pitchFamily="17" charset="-128"/>
+                        </a:rPr>
+                        <a:t>2</a:t>
+                      </a:r>
+                    </a:p>
+                  </a:txBody>
+                  <a:tcPr marL="6350" marR="6350" marT="6350" marB="0" anchor="ctr">
+                    <a:lnL w="38100" cap="flat" cmpd="sng" algn="ctr">
+                      <a:solidFill>
+                        <a:schemeClr val="tx1"/>
+                      </a:solidFill>
+                      <a:prstDash val="solid"/>
+                      <a:round/>
+                      <a:headEnd type="none" w="med" len="med"/>
+                      <a:tailEnd type="none" w="med" len="med"/>
+                    </a:lnL>
+                    <a:lnR w="38100" cap="flat" cmpd="sng" algn="ctr">
+                      <a:solidFill>
+                        <a:schemeClr val="tx1"/>
+                      </a:solidFill>
+                      <a:prstDash val="solid"/>
+                      <a:round/>
+                      <a:headEnd type="none" w="med" len="med"/>
+                      <a:tailEnd type="none" w="med" len="med"/>
+                    </a:lnR>
+                    <a:lnT w="38100" cap="flat" cmpd="sng" algn="ctr">
+                      <a:solidFill>
+                        <a:schemeClr val="tx1"/>
+                      </a:solidFill>
+                      <a:prstDash val="solid"/>
+                      <a:round/>
+                      <a:headEnd type="none" w="med" len="med"/>
+                      <a:tailEnd type="none" w="med" len="med"/>
+                    </a:lnT>
+                    <a:lnB w="38100" cap="flat" cmpd="sng" algn="ctr">
+                      <a:solidFill>
+                        <a:schemeClr val="tx1"/>
+                      </a:solidFill>
+                      <a:prstDash val="solid"/>
+                      <a:round/>
+                      <a:headEnd type="none" w="med" len="med"/>
+                      <a:tailEnd type="none" w="med" len="med"/>
+                    </a:lnB>
+                  </a:tcPr>
+                </a:tc>
+                <a:tc>
+                  <a:txBody>
+                    <a:bodyPr/>
+                    <a:lstStyle/>
+                    <a:p>
+                      <a:pPr algn="ctr" fontAlgn="b"/>
+                      <a:r>
+                        <a:rPr lang="en-US" altLang="ja-JP" sz="4000" b="0" i="0" u="none" strike="noStrike" dirty="0">
+                          <a:solidFill>
+                            <a:schemeClr val="tx1">
+                              <a:lumMod val="75000"/>
+                              <a:lumOff val="25000"/>
+                            </a:schemeClr>
+                          </a:solidFill>
+                          <a:effectLst/>
+                          <a:latin typeface="UD デジタル 教科書体 N-B" panose="02020700000000000000" pitchFamily="17" charset="-128"/>
+                          <a:ea typeface="UD デジタル 教科書体 N-B" panose="02020700000000000000" pitchFamily="17" charset="-128"/>
+                        </a:rPr>
+                        <a:t>146</a:t>
+                      </a:r>
+                    </a:p>
+                  </a:txBody>
+                  <a:tcPr marL="6350" marR="6350" marT="6350" marB="0" anchor="ctr">
+                    <a:lnL w="38100" cap="flat" cmpd="sng" algn="ctr">
+                      <a:solidFill>
+                        <a:schemeClr val="tx1"/>
+                      </a:solidFill>
+                      <a:prstDash val="solid"/>
+                      <a:round/>
+                      <a:headEnd type="none" w="med" len="med"/>
+                      <a:tailEnd type="none" w="med" len="med"/>
+                    </a:lnL>
+                    <a:lnR w="38100" cap="flat" cmpd="sng" algn="ctr">
+                      <a:solidFill>
+                        <a:schemeClr val="tx1"/>
+                      </a:solidFill>
+                      <a:prstDash val="solid"/>
+                      <a:round/>
+                      <a:headEnd type="none" w="med" len="med"/>
+                      <a:tailEnd type="none" w="med" len="med"/>
+                    </a:lnR>
+                    <a:lnT w="38100" cap="flat" cmpd="sng" algn="ctr">
+                      <a:solidFill>
+                        <a:schemeClr val="tx1"/>
+                      </a:solidFill>
+                      <a:prstDash val="solid"/>
+                      <a:round/>
+                      <a:headEnd type="none" w="med" len="med"/>
+                      <a:tailEnd type="none" w="med" len="med"/>
+                    </a:lnT>
+                    <a:lnB w="38100" cap="flat" cmpd="sng" algn="ctr">
+                      <a:solidFill>
+                        <a:schemeClr val="tx1"/>
+                      </a:solidFill>
+                      <a:prstDash val="solid"/>
+                      <a:round/>
+                      <a:headEnd type="none" w="med" len="med"/>
+                      <a:tailEnd type="none" w="med" len="med"/>
+                    </a:lnB>
+                  </a:tcPr>
+                </a:tc>
+                <a:tc>
+                  <a:txBody>
+                    <a:bodyPr/>
+                    <a:lstStyle/>
+                    <a:p>
+                      <a:pPr algn="ctr" fontAlgn="b"/>
+                      <a:r>
+                        <a:rPr lang="en-US" altLang="ja-JP" sz="4000" b="0" i="0" u="none" strike="noStrike" dirty="0">
+                          <a:solidFill>
+                            <a:schemeClr val="tx1">
+                              <a:lumMod val="75000"/>
+                              <a:lumOff val="25000"/>
+                            </a:schemeClr>
+                          </a:solidFill>
+                          <a:effectLst/>
+                          <a:latin typeface="UD デジタル 教科書体 N-B" panose="02020700000000000000" pitchFamily="17" charset="-128"/>
+                          <a:ea typeface="UD デジタル 教科書体 N-B" panose="02020700000000000000" pitchFamily="17" charset="-128"/>
+                        </a:rPr>
+                        <a:t>20.8</a:t>
+                      </a:r>
+                    </a:p>
+                  </a:txBody>
+                  <a:tcPr marL="6350" marR="6350" marT="6350" marB="0" anchor="ctr">
+                    <a:lnL w="38100" cap="flat" cmpd="sng" algn="ctr">
+                      <a:solidFill>
+                        <a:schemeClr val="tx1"/>
+                      </a:solidFill>
+                      <a:prstDash val="solid"/>
+                      <a:round/>
+                      <a:headEnd type="none" w="med" len="med"/>
+                      <a:tailEnd type="none" w="med" len="med"/>
+                    </a:lnL>
+                    <a:lnR w="38100" cap="flat" cmpd="sng" algn="ctr">
+                      <a:solidFill>
+                        <a:schemeClr val="tx1"/>
+                      </a:solidFill>
+                      <a:prstDash val="solid"/>
+                      <a:round/>
+                      <a:headEnd type="none" w="med" len="med"/>
+                      <a:tailEnd type="none" w="med" len="med"/>
+                    </a:lnR>
+                    <a:lnT w="38100" cap="flat" cmpd="sng" algn="ctr">
+                      <a:solidFill>
+                        <a:schemeClr val="tx1"/>
+                      </a:solidFill>
+                      <a:prstDash val="solid"/>
+                      <a:round/>
+                      <a:headEnd type="none" w="med" len="med"/>
+                      <a:tailEnd type="none" w="med" len="med"/>
+                    </a:lnT>
+                    <a:lnB w="38100" cap="flat" cmpd="sng" algn="ctr">
+                      <a:solidFill>
+                        <a:schemeClr val="tx1"/>
+                      </a:solidFill>
+                      <a:prstDash val="solid"/>
+                      <a:round/>
+                      <a:headEnd type="none" w="med" len="med"/>
+                      <a:tailEnd type="none" w="med" len="med"/>
+                    </a:lnB>
+                  </a:tcPr>
+                </a:tc>
+                <a:tc>
+                  <a:txBody>
+                    <a:bodyPr/>
+                    <a:lstStyle/>
+                    <a:p>
+                      <a:pPr algn="ctr" fontAlgn="b"/>
+                      <a:r>
+                        <a:rPr lang="en-US" altLang="ja-JP" sz="4000" b="0" i="0" u="none" strike="noStrike" dirty="0">
+                          <a:solidFill>
+                            <a:schemeClr val="tx1">
+                              <a:lumMod val="75000"/>
+                              <a:lumOff val="25000"/>
+                            </a:schemeClr>
+                          </a:solidFill>
+                          <a:effectLst/>
+                          <a:latin typeface="UD デジタル 教科書体 N-B" panose="02020700000000000000" pitchFamily="17" charset="-128"/>
+                          <a:ea typeface="UD デジタル 教科書体 N-B" panose="02020700000000000000" pitchFamily="17" charset="-128"/>
+                        </a:rPr>
+                        <a:t>48</a:t>
+                      </a:r>
+                    </a:p>
+                  </a:txBody>
+                  <a:tcPr marL="6350" marR="6350" marT="6350" marB="0" anchor="ctr">
+                    <a:lnL w="38100" cap="flat" cmpd="sng" algn="ctr">
+                      <a:solidFill>
+                        <a:schemeClr val="tx1"/>
+                      </a:solidFill>
+                      <a:prstDash val="solid"/>
+                      <a:round/>
+                      <a:headEnd type="none" w="med" len="med"/>
+                      <a:tailEnd type="none" w="med" len="med"/>
+                    </a:lnL>
+                    <a:lnR w="38100" cap="flat" cmpd="sng" algn="ctr">
+                      <a:solidFill>
+                        <a:schemeClr val="tx1"/>
+                      </a:solidFill>
+                      <a:prstDash val="solid"/>
+                      <a:round/>
+                      <a:headEnd type="none" w="med" len="med"/>
+                      <a:tailEnd type="none" w="med" len="med"/>
+                    </a:lnR>
+                    <a:lnT w="38100" cap="flat" cmpd="sng" algn="ctr">
+                      <a:solidFill>
+                        <a:schemeClr val="tx1"/>
+                      </a:solidFill>
+                      <a:prstDash val="solid"/>
+                      <a:round/>
+                      <a:headEnd type="none" w="med" len="med"/>
+                      <a:tailEnd type="none" w="med" len="med"/>
+                    </a:lnT>
+                    <a:lnB w="38100" cap="flat" cmpd="sng" algn="ctr">
+                      <a:solidFill>
+                        <a:schemeClr val="tx1"/>
+                      </a:solidFill>
+                      <a:prstDash val="solid"/>
+                      <a:round/>
+                      <a:headEnd type="none" w="med" len="med"/>
+                      <a:tailEnd type="none" w="med" len="med"/>
+                    </a:lnB>
+                  </a:tcPr>
+                </a:tc>
+                <a:extLst>
+                  <a:ext uri="{0D108BD9-81ED-4DB2-BD59-A6C34878D82A}">
+                    <a16:rowId xmlns:a16="http://schemas.microsoft.com/office/drawing/2014/main" val="1618484924"/>
+                  </a:ext>
+                </a:extLst>
+              </a:tr>
+            </a:tbl>
+          </a:graphicData>
+        </a:graphic>
+      </p:graphicFrame>
+      <p:sp>
+        <p:nvSpPr>
+          <p:cNvPr id="71" name="テキスト ボックス 70">
+            <a:extLst>
+              <a:ext uri="{FF2B5EF4-FFF2-40B4-BE49-F238E27FC236}">
+                <a16:creationId xmlns:a16="http://schemas.microsoft.com/office/drawing/2014/main" id="{4EB1E300-7B5C-FFFD-7E6A-D808840B5B50}"/>
+              </a:ext>
+            </a:extLst>
+          </p:cNvPr>
+          <p:cNvSpPr txBox="1"/>
+          <p:nvPr/>
+        </p:nvSpPr>
+        <p:spPr>
+          <a:xfrm>
+            <a:off x="2835500" y="29219450"/>
+            <a:ext cx="11464503" cy="769441"/>
+          </a:xfrm>
+          <a:prstGeom prst="rect">
+            <a:avLst/>
+          </a:prstGeom>
+          <a:noFill/>
+        </p:spPr>
+        <p:txBody>
+          <a:bodyPr wrap="square" rtlCol="0">
+            <a:spAutoFit/>
+          </a:bodyPr>
+          <a:lstStyle/>
+          <a:p>
+            <a:r>
+              <a:rPr lang="ja-JP" altLang="en-US" sz="4400" dirty="0">
+                <a:solidFill>
+                  <a:schemeClr val="tx1">
+                    <a:lumMod val="75000"/>
+                    <a:lumOff val="25000"/>
+                  </a:schemeClr>
+                </a:solidFill>
+                <a:latin typeface="UD デジタル 教科書体 N-B" panose="02020700000000000000" pitchFamily="17" charset="-128"/>
+                <a:ea typeface="UD デジタル 教科書体 N-B" panose="02020700000000000000" pitchFamily="17" charset="-128"/>
+              </a:rPr>
+              <a:t>表</a:t>
+            </a:r>
+            <a:r>
+              <a:rPr lang="en-US" altLang="ja-JP" sz="4400" dirty="0">
+                <a:solidFill>
+                  <a:schemeClr val="tx1">
+                    <a:lumMod val="75000"/>
+                    <a:lumOff val="25000"/>
+                  </a:schemeClr>
+                </a:solidFill>
+                <a:latin typeface="UD デジタル 教科書体 N-B" panose="02020700000000000000" pitchFamily="17" charset="-128"/>
+                <a:ea typeface="UD デジタル 教科書体 N-B" panose="02020700000000000000" pitchFamily="17" charset="-128"/>
+              </a:rPr>
+              <a:t>1.</a:t>
+            </a:r>
+            <a:r>
+              <a:rPr lang="ja-JP" altLang="en-US" sz="4400" dirty="0">
+                <a:solidFill>
+                  <a:schemeClr val="tx1">
+                    <a:lumMod val="75000"/>
+                    <a:lumOff val="25000"/>
+                  </a:schemeClr>
+                </a:solidFill>
+                <a:latin typeface="UD デジタル 教科書体 N-B" panose="02020700000000000000" pitchFamily="17" charset="-128"/>
+                <a:ea typeface="UD デジタル 教科書体 N-B" panose="02020700000000000000" pitchFamily="17" charset="-128"/>
+              </a:rPr>
+              <a:t>パターンごとのカメラ位置推定平均誤差</a:t>
+            </a:r>
+            <a:r>
+              <a:rPr lang="en-US" altLang="ja-JP" sz="4400" dirty="0">
+                <a:solidFill>
+                  <a:schemeClr val="tx1">
+                    <a:lumMod val="75000"/>
+                    <a:lumOff val="25000"/>
+                  </a:schemeClr>
+                </a:solidFill>
+                <a:latin typeface="UD デジタル 教科書体 N-B" panose="02020700000000000000" pitchFamily="17" charset="-128"/>
+                <a:ea typeface="UD デジタル 教科書体 N-B" panose="02020700000000000000" pitchFamily="17" charset="-128"/>
+              </a:rPr>
+              <a:t> </a:t>
+            </a:r>
+            <a:endParaRPr kumimoji="1" lang="ja-JP" altLang="en-US" sz="4400" dirty="0">
+              <a:solidFill>
+                <a:schemeClr val="tx1">
+                  <a:lumMod val="75000"/>
+                  <a:lumOff val="25000"/>
+                </a:schemeClr>
+              </a:solidFill>
+              <a:latin typeface="UD デジタル 教科書体 N-B" panose="02020700000000000000" pitchFamily="17" charset="-128"/>
+              <a:ea typeface="UD デジタル 教科書体 N-B" panose="02020700000000000000" pitchFamily="17" charset="-128"/>
+            </a:endParaRPr>
+          </a:p>
+        </p:txBody>
+      </p:sp>
+      <p:sp>
+        <p:nvSpPr>
+          <p:cNvPr id="72" name="テキスト ボックス 71">
+            <a:extLst>
+              <a:ext uri="{FF2B5EF4-FFF2-40B4-BE49-F238E27FC236}">
+                <a16:creationId xmlns:a16="http://schemas.microsoft.com/office/drawing/2014/main" id="{347A3B7D-6BE9-A24A-C89B-CAFB82F6F782}"/>
+              </a:ext>
+            </a:extLst>
+          </p:cNvPr>
+          <p:cNvSpPr txBox="1"/>
+          <p:nvPr/>
+        </p:nvSpPr>
+        <p:spPr>
+          <a:xfrm>
+            <a:off x="498421" y="34470542"/>
+            <a:ext cx="15996809" cy="2031775"/>
+          </a:xfrm>
+          <a:prstGeom prst="rect">
+            <a:avLst/>
+          </a:prstGeom>
+          <a:noFill/>
+        </p:spPr>
+        <p:txBody>
+          <a:bodyPr wrap="square" rtlCol="0">
+            <a:spAutoFit/>
+          </a:bodyPr>
+          <a:lstStyle/>
+          <a:p>
+            <a:pPr>
+              <a:lnSpc>
+                <a:spcPct val="150000"/>
+              </a:lnSpc>
+            </a:pPr>
+            <a:r>
+              <a:rPr kumimoji="1" lang="ja-JP" altLang="en-US" sz="4400" dirty="0">
+                <a:solidFill>
+                  <a:schemeClr val="tx1">
+                    <a:lumMod val="75000"/>
+                    <a:lumOff val="25000"/>
+                  </a:schemeClr>
+                </a:solidFill>
+                <a:latin typeface="UD デジタル 教科書体 N-B" panose="02020700000000000000" pitchFamily="17" charset="-128"/>
+                <a:ea typeface="UD デジタル 教科書体 N-B" panose="02020700000000000000" pitchFamily="17" charset="-128"/>
+              </a:rPr>
+              <a:t>ペンがカメラから遠いほど推定精度が低下することが分かった。</a:t>
+            </a:r>
+            <a:endParaRPr kumimoji="1" lang="en-US" altLang="ja-JP" sz="4400" dirty="0">
+              <a:solidFill>
+                <a:schemeClr val="tx1">
+                  <a:lumMod val="75000"/>
+                  <a:lumOff val="25000"/>
+                </a:schemeClr>
+              </a:solidFill>
+              <a:latin typeface="UD デジタル 教科書体 N-B" panose="02020700000000000000" pitchFamily="17" charset="-128"/>
+              <a:ea typeface="UD デジタル 教科書体 N-B" panose="02020700000000000000" pitchFamily="17" charset="-128"/>
+            </a:endParaRPr>
+          </a:p>
+          <a:p>
+            <a:pPr>
+              <a:lnSpc>
+                <a:spcPct val="150000"/>
+              </a:lnSpc>
+            </a:pPr>
+            <a:r>
+              <a:rPr kumimoji="1" lang="ja-JP" altLang="en-US" sz="4400" dirty="0">
+                <a:solidFill>
+                  <a:schemeClr val="tx1">
+                    <a:lumMod val="75000"/>
+                    <a:lumOff val="25000"/>
+                  </a:schemeClr>
+                </a:solidFill>
+                <a:latin typeface="UD デジタル 教科書体 N-B" panose="02020700000000000000" pitchFamily="17" charset="-128"/>
+                <a:ea typeface="UD デジタル 教科書体 N-B" panose="02020700000000000000" pitchFamily="17" charset="-128"/>
+              </a:rPr>
+              <a:t>→本手法の有効性を低いと判断した。</a:t>
+            </a:r>
+            <a:endParaRPr kumimoji="1" lang="en-US" altLang="ja-JP" sz="4400" dirty="0">
+              <a:solidFill>
+                <a:schemeClr val="tx1">
+                  <a:lumMod val="75000"/>
+                  <a:lumOff val="25000"/>
+                </a:schemeClr>
+              </a:solidFill>
+              <a:latin typeface="UD デジタル 教科書体 N-B" panose="02020700000000000000" pitchFamily="17" charset="-128"/>
+              <a:ea typeface="UD デジタル 教科書体 N-B" panose="02020700000000000000" pitchFamily="17" charset="-128"/>
+            </a:endParaRPr>
+          </a:p>
+        </p:txBody>
+      </p:sp>
+      <p:sp>
+        <p:nvSpPr>
+          <p:cNvPr id="73" name="四角形: 角を丸くする 72">
+            <a:extLst>
+              <a:ext uri="{FF2B5EF4-FFF2-40B4-BE49-F238E27FC236}">
+                <a16:creationId xmlns:a16="http://schemas.microsoft.com/office/drawing/2014/main" id="{06499878-94BF-5F76-99B6-8991B07701FF}"/>
+              </a:ext>
+            </a:extLst>
+          </p:cNvPr>
+          <p:cNvSpPr/>
+          <p:nvPr/>
+        </p:nvSpPr>
+        <p:spPr>
+          <a:xfrm>
+            <a:off x="17420570" y="26657841"/>
+            <a:ext cx="8289048" cy="10027794"/>
+          </a:xfrm>
+          <a:prstGeom prst="roundRect">
+            <a:avLst>
+              <a:gd name="adj" fmla="val 2906"/>
+            </a:avLst>
+          </a:prstGeom>
+          <a:solidFill>
+            <a:schemeClr val="bg1"/>
+          </a:solidFill>
+          <a:ln>
+            <a:solidFill>
+              <a:schemeClr val="bg1"/>
+            </a:solidFill>
+          </a:ln>
+        </p:spPr>
+        <p:style>
+          <a:lnRef idx="2">
+            <a:schemeClr val="accent1">
+              <a:shade val="50000"/>
+            </a:schemeClr>
+          </a:lnRef>
+          <a:fillRef idx="1">
+            <a:schemeClr val="accent1"/>
+          </a:fillRef>
+          <a:effectRef idx="0">
+            <a:schemeClr val="accent1"/>
+          </a:effectRef>
+          <a:fontRef idx="minor">
+            <a:schemeClr val="lt1"/>
+          </a:fontRef>
+        </p:style>
+        <p:txBody>
+          <a:bodyPr rtlCol="0" anchor="t" anchorCtr="0"/>
+          <a:lstStyle/>
+          <a:p>
+            <a:r>
+              <a:rPr lang="ja-JP" altLang="en-US" sz="6600" dirty="0">
+                <a:solidFill>
+                  <a:schemeClr val="tx1">
+                    <a:lumMod val="75000"/>
+                    <a:lumOff val="25000"/>
+                  </a:schemeClr>
+                </a:solidFill>
+                <a:latin typeface="UD デジタル 教科書体 N-B" panose="02020700000000000000" pitchFamily="17" charset="-128"/>
+                <a:ea typeface="UD デジタル 教科書体 N-B" panose="02020700000000000000" pitchFamily="17" charset="-128"/>
+              </a:rPr>
+              <a:t>今後の予定</a:t>
+            </a:r>
+            <a:endParaRPr lang="en-US" altLang="ja-JP" sz="6600" dirty="0">
+              <a:solidFill>
+                <a:schemeClr val="tx1">
+                  <a:lumMod val="75000"/>
+                  <a:lumOff val="25000"/>
+                </a:schemeClr>
+              </a:solidFill>
+              <a:latin typeface="UD デジタル 教科書体 N-B" panose="02020700000000000000" pitchFamily="17" charset="-128"/>
+              <a:ea typeface="UD デジタル 教科書体 N-B" panose="02020700000000000000" pitchFamily="17" charset="-128"/>
+            </a:endParaRPr>
+          </a:p>
+          <a:p>
+            <a:pPr>
+              <a:lnSpc>
+                <a:spcPct val="150000"/>
+              </a:lnSpc>
+            </a:pPr>
+            <a:r>
+              <a:rPr lang="ja-JP" altLang="en-US" sz="4400" dirty="0">
+                <a:solidFill>
+                  <a:schemeClr val="tx1">
+                    <a:lumMod val="75000"/>
+                    <a:lumOff val="25000"/>
+                  </a:schemeClr>
+                </a:solidFill>
+                <a:latin typeface="UD デジタル 教科書体 N-B" panose="02020700000000000000" pitchFamily="17" charset="-128"/>
+                <a:ea typeface="UD デジタル 教科書体 N-B" panose="02020700000000000000" pitchFamily="17" charset="-128"/>
+              </a:rPr>
+              <a:t>・高解像度の画像を用いた</a:t>
+            </a:r>
+            <a:br>
+              <a:rPr lang="en-US" altLang="ja-JP" sz="4400" dirty="0">
+                <a:solidFill>
+                  <a:schemeClr val="tx1">
+                    <a:lumMod val="75000"/>
+                    <a:lumOff val="25000"/>
+                  </a:schemeClr>
+                </a:solidFill>
+                <a:latin typeface="UD デジタル 教科書体 N-B" panose="02020700000000000000" pitchFamily="17" charset="-128"/>
+                <a:ea typeface="UD デジタル 教科書体 N-B" panose="02020700000000000000" pitchFamily="17" charset="-128"/>
+              </a:rPr>
+            </a:br>
+            <a:r>
+              <a:rPr lang="ja-JP" altLang="en-US" sz="4400" dirty="0">
+                <a:solidFill>
+                  <a:schemeClr val="tx1">
+                    <a:lumMod val="75000"/>
+                    <a:lumOff val="25000"/>
+                  </a:schemeClr>
+                </a:solidFill>
+                <a:latin typeface="UD デジタル 教科書体 N-B" panose="02020700000000000000" pitchFamily="17" charset="-128"/>
+                <a:ea typeface="UD デジタル 教科書体 N-B" panose="02020700000000000000" pitchFamily="17" charset="-128"/>
+              </a:rPr>
+              <a:t>　本手法の再検証</a:t>
+            </a:r>
+            <a:endParaRPr lang="en-US" altLang="ja-JP" sz="4400" dirty="0">
+              <a:solidFill>
+                <a:schemeClr val="tx1">
+                  <a:lumMod val="75000"/>
+                  <a:lumOff val="25000"/>
+                </a:schemeClr>
+              </a:solidFill>
+              <a:latin typeface="UD デジタル 教科書体 N-B" panose="02020700000000000000" pitchFamily="17" charset="-128"/>
+              <a:ea typeface="UD デジタル 教科書体 N-B" panose="02020700000000000000" pitchFamily="17" charset="-128"/>
+            </a:endParaRPr>
+          </a:p>
+          <a:p>
+            <a:pPr>
+              <a:lnSpc>
+                <a:spcPct val="150000"/>
+              </a:lnSpc>
+            </a:pPr>
+            <a:r>
+              <a:rPr lang="ja-JP" altLang="en-US" sz="4400" dirty="0">
+                <a:solidFill>
+                  <a:schemeClr val="tx1">
+                    <a:lumMod val="75000"/>
+                    <a:lumOff val="25000"/>
+                  </a:schemeClr>
+                </a:solidFill>
+                <a:latin typeface="UD デジタル 教科書体 N-B" panose="02020700000000000000" pitchFamily="17" charset="-128"/>
+                <a:ea typeface="UD デジタル 教科書体 N-B" panose="02020700000000000000" pitchFamily="17" charset="-128"/>
+              </a:rPr>
+              <a:t>・カメラ位置を推定できる</a:t>
+            </a:r>
+            <a:br>
+              <a:rPr lang="en-US" altLang="ja-JP" sz="4400" dirty="0">
+                <a:solidFill>
+                  <a:schemeClr val="tx1">
+                    <a:lumMod val="75000"/>
+                    <a:lumOff val="25000"/>
+                  </a:schemeClr>
+                </a:solidFill>
+                <a:latin typeface="UD デジタル 教科書体 N-B" panose="02020700000000000000" pitchFamily="17" charset="-128"/>
+                <a:ea typeface="UD デジタル 教科書体 N-B" panose="02020700000000000000" pitchFamily="17" charset="-128"/>
+              </a:rPr>
+            </a:br>
+            <a:r>
+              <a:rPr lang="ja-JP" altLang="en-US" sz="4400" dirty="0">
+                <a:solidFill>
+                  <a:schemeClr val="tx1">
+                    <a:lumMod val="75000"/>
+                    <a:lumOff val="25000"/>
+                  </a:schemeClr>
+                </a:solidFill>
+                <a:latin typeface="UD デジタル 教科書体 N-B" panose="02020700000000000000" pitchFamily="17" charset="-128"/>
+                <a:ea typeface="UD デジタル 教科書体 N-B" panose="02020700000000000000" pitchFamily="17" charset="-128"/>
+              </a:rPr>
+              <a:t>　既存手法の検証</a:t>
+            </a:r>
+            <a:endParaRPr lang="en-US" altLang="ja-JP" sz="4400" dirty="0">
+              <a:solidFill>
+                <a:schemeClr val="tx1">
+                  <a:lumMod val="75000"/>
+                  <a:lumOff val="25000"/>
+                </a:schemeClr>
+              </a:solidFill>
+              <a:latin typeface="UD デジタル 教科書体 N-B" panose="02020700000000000000" pitchFamily="17" charset="-128"/>
+              <a:ea typeface="UD デジタル 教科書体 N-B" panose="02020700000000000000" pitchFamily="17" charset="-128"/>
+            </a:endParaRPr>
+          </a:p>
+          <a:p>
+            <a:pPr>
+              <a:lnSpc>
+                <a:spcPct val="150000"/>
+              </a:lnSpc>
+            </a:pPr>
+            <a:r>
+              <a:rPr lang="ja-JP" altLang="en-US" sz="4400" dirty="0">
+                <a:solidFill>
+                  <a:schemeClr val="tx1">
+                    <a:lumMod val="75000"/>
+                    <a:lumOff val="25000"/>
+                  </a:schemeClr>
+                </a:solidFill>
+                <a:latin typeface="UD デジタル 教科書体 N-B" panose="02020700000000000000" pitchFamily="17" charset="-128"/>
+                <a:ea typeface="UD デジタル 教科書体 N-B" panose="02020700000000000000" pitchFamily="17" charset="-128"/>
+              </a:rPr>
+              <a:t>・実際のバレーボールコートで</a:t>
+            </a:r>
+            <a:endParaRPr lang="en-US" altLang="ja-JP" sz="4400" dirty="0">
+              <a:solidFill>
+                <a:schemeClr val="tx1">
+                  <a:lumMod val="75000"/>
+                  <a:lumOff val="25000"/>
+                </a:schemeClr>
+              </a:solidFill>
+              <a:latin typeface="UD デジタル 教科書体 N-B" panose="02020700000000000000" pitchFamily="17" charset="-128"/>
+              <a:ea typeface="UD デジタル 教科書体 N-B" panose="02020700000000000000" pitchFamily="17" charset="-128"/>
+            </a:endParaRPr>
+          </a:p>
+          <a:p>
+            <a:pPr>
+              <a:lnSpc>
+                <a:spcPct val="150000"/>
+              </a:lnSpc>
+            </a:pPr>
+            <a:r>
+              <a:rPr lang="ja-JP" altLang="en-US" sz="4400" dirty="0">
+                <a:solidFill>
+                  <a:schemeClr val="tx1">
+                    <a:lumMod val="75000"/>
+                    <a:lumOff val="25000"/>
+                  </a:schemeClr>
+                </a:solidFill>
+                <a:latin typeface="UD デジタル 教科書体 N-B" panose="02020700000000000000" pitchFamily="17" charset="-128"/>
+                <a:ea typeface="UD デジタル 教科書体 N-B" panose="02020700000000000000" pitchFamily="17" charset="-128"/>
+              </a:rPr>
+              <a:t>　撮影を行う</a:t>
+            </a:r>
+            <a:endParaRPr lang="en-US" altLang="ja-JP" sz="4400" dirty="0">
+              <a:solidFill>
+                <a:schemeClr val="tx1">
+                  <a:lumMod val="75000"/>
+                  <a:lumOff val="25000"/>
+                </a:schemeClr>
+              </a:solidFill>
+              <a:latin typeface="UD デジタル 教科書体 N-B" panose="02020700000000000000" pitchFamily="17" charset="-128"/>
+              <a:ea typeface="UD デジタル 教科書体 N-B" panose="02020700000000000000" pitchFamily="17" charset="-128"/>
+            </a:endParaRPr>
+          </a:p>
+          <a:p>
+            <a:pPr>
+              <a:lnSpc>
+                <a:spcPct val="150000"/>
+              </a:lnSpc>
+            </a:pPr>
+            <a:r>
+              <a:rPr lang="ja-JP" altLang="en-US" sz="4400" dirty="0">
+                <a:solidFill>
+                  <a:schemeClr val="tx1">
+                    <a:lumMod val="75000"/>
+                    <a:lumOff val="25000"/>
+                  </a:schemeClr>
+                </a:solidFill>
+                <a:latin typeface="UD デジタル 教科書体 N-B" panose="02020700000000000000" pitchFamily="17" charset="-128"/>
+                <a:ea typeface="UD デジタル 教科書体 N-B" panose="02020700000000000000" pitchFamily="17" charset="-128"/>
+              </a:rPr>
+              <a:t>・本手法を応用した選手の</a:t>
+            </a:r>
+            <a:br>
+              <a:rPr lang="en-US" altLang="ja-JP" sz="4400" dirty="0">
+                <a:solidFill>
+                  <a:schemeClr val="tx1">
+                    <a:lumMod val="75000"/>
+                    <a:lumOff val="25000"/>
+                  </a:schemeClr>
+                </a:solidFill>
+                <a:latin typeface="UD デジタル 教科書体 N-B" panose="02020700000000000000" pitchFamily="17" charset="-128"/>
+                <a:ea typeface="UD デジタル 教科書体 N-B" panose="02020700000000000000" pitchFamily="17" charset="-128"/>
+              </a:rPr>
+            </a:br>
+            <a:r>
+              <a:rPr lang="ja-JP" altLang="en-US" sz="4400" dirty="0">
+                <a:solidFill>
+                  <a:schemeClr val="tx1">
+                    <a:lumMod val="75000"/>
+                    <a:lumOff val="25000"/>
+                  </a:schemeClr>
+                </a:solidFill>
+                <a:latin typeface="UD デジタル 教科書体 N-B" panose="02020700000000000000" pitchFamily="17" charset="-128"/>
+                <a:ea typeface="UD デジタル 教科書体 N-B" panose="02020700000000000000" pitchFamily="17" charset="-128"/>
+              </a:rPr>
+              <a:t>　</a:t>
+            </a:r>
+            <a:r>
+              <a:rPr lang="en-US" altLang="ja-JP" sz="4400" dirty="0">
+                <a:solidFill>
+                  <a:schemeClr val="tx1">
+                    <a:lumMod val="75000"/>
+                    <a:lumOff val="25000"/>
+                  </a:schemeClr>
+                </a:solidFill>
+                <a:latin typeface="UD デジタル 教科書体 N-B" panose="02020700000000000000" pitchFamily="17" charset="-128"/>
+                <a:ea typeface="UD デジタル 教科書体 N-B" panose="02020700000000000000" pitchFamily="17" charset="-128"/>
+              </a:rPr>
+              <a:t>3</a:t>
+            </a:r>
+            <a:r>
+              <a:rPr lang="ja-JP" altLang="en-US" sz="4400" dirty="0">
+                <a:solidFill>
+                  <a:schemeClr val="tx1">
+                    <a:lumMod val="75000"/>
+                    <a:lumOff val="25000"/>
+                  </a:schemeClr>
+                </a:solidFill>
+                <a:latin typeface="UD デジタル 教科書体 N-B" panose="02020700000000000000" pitchFamily="17" charset="-128"/>
+                <a:ea typeface="UD デジタル 教科書体 N-B" panose="02020700000000000000" pitchFamily="17" charset="-128"/>
+              </a:rPr>
+              <a:t>次元位置推定法の検証</a:t>
+            </a:r>
+            <a:endParaRPr lang="en-US" altLang="ja-JP" sz="4400" dirty="0">
+              <a:solidFill>
+                <a:schemeClr val="tx1">
+                  <a:lumMod val="75000"/>
+                  <a:lumOff val="25000"/>
+                </a:schemeClr>
+              </a:solidFill>
+              <a:latin typeface="UD デジタル 教科書体 N-B" panose="02020700000000000000" pitchFamily="17" charset="-128"/>
+              <a:ea typeface="UD デジタル 教科書体 N-B" panose="02020700000000000000" pitchFamily="17" charset="-128"/>
+            </a:endParaRPr>
+          </a:p>
+        </p:txBody>
+      </p:sp>
     </p:spTree>
     <p:extLst>
       <p:ext uri="{BB962C8B-B14F-4D97-AF65-F5344CB8AC3E}">
@@ -7015,26 +8746,6 @@
 </file>
 
 <file path=customXml/item1.xml><?xml version="1.0" encoding="utf-8"?>
-<p:properties xmlns:p="http://schemas.microsoft.com/office/2006/metadata/properties" xmlns:xsi="http://www.w3.org/2001/XMLSchema-instance" xmlns:pc="http://schemas.microsoft.com/office/infopath/2007/PartnerControls">
-  <documentManagement>
-    <lcf76f155ced4ddcb4097134ff3c332f xmlns="d6899de3-1125-4d4b-b534-4822d3c0297b">
-      <Terms xmlns="http://schemas.microsoft.com/office/infopath/2007/PartnerControls"/>
-    </lcf76f155ced4ddcb4097134ff3c332f>
-    <TaxCatchAll xmlns="d105cd02-f242-4b57-b36a-2b84b88f6108" xsi:nil="true"/>
-  </documentManagement>
-</p:properties>
-</file>
-
-<file path=customXml/item2.xml><?xml version="1.0" encoding="utf-8"?>
-<?mso-contentType ?>
-<FormTemplates xmlns="http://schemas.microsoft.com/sharepoint/v3/contenttype/forms">
-  <Display>DocumentLibraryForm</Display>
-  <Edit>DocumentLibraryForm</Edit>
-  <New>DocumentLibraryForm</New>
-</FormTemplates>
-</file>
-
-<file path=customXml/item3.xml><?xml version="1.0" encoding="utf-8"?>
 <ct:contentTypeSchema xmlns:ct="http://schemas.microsoft.com/office/2006/metadata/contentType" xmlns:ma="http://schemas.microsoft.com/office/2006/metadata/properties/metaAttributes" ct:_="" ma:_="" ma:contentTypeName="ドキュメント" ma:contentTypeID="0x010100DA3AE0181D46CC48B1A6C7D49B05DC0E" ma:contentTypeVersion="10" ma:contentTypeDescription="新しいドキュメントを作成します。" ma:contentTypeScope="" ma:versionID="6891c78b8800e17b2974d5a387b7c6d4">
   <xsd:schema xmlns:xsd="http://www.w3.org/2001/XMLSchema" xmlns:xs="http://www.w3.org/2001/XMLSchema" xmlns:p="http://schemas.microsoft.com/office/2006/metadata/properties" xmlns:ns2="d6899de3-1125-4d4b-b534-4822d3c0297b" xmlns:ns3="d105cd02-f242-4b57-b36a-2b84b88f6108" targetNamespace="http://schemas.microsoft.com/office/2006/metadata/properties" ma:root="true" ma:fieldsID="5dff3b6462acfd23d6a98baa8449f01e" ns2:_="" ns3:_="">
     <xsd:import namespace="d6899de3-1125-4d4b-b534-4822d3c0297b"/>
@@ -7223,26 +8934,27 @@
 </ct:contentTypeSchema>
 </file>
 
-<file path=customXml/itemProps1.xml><?xml version="1.0" encoding="utf-8"?>
-<ds:datastoreItem xmlns:ds="http://schemas.openxmlformats.org/officeDocument/2006/customXml" ds:itemID="{98676A2F-3173-45D1-83A8-D056D89C5CF4}">
-  <ds:schemaRefs>
-    <ds:schemaRef ds:uri="http://schemas.microsoft.com/office/2006/metadata/properties"/>
-    <ds:schemaRef ds:uri="http://schemas.microsoft.com/office/infopath/2007/PartnerControls"/>
-    <ds:schemaRef ds:uri="d6899de3-1125-4d4b-b534-4822d3c0297b"/>
-    <ds:schemaRef ds:uri="d105cd02-f242-4b57-b36a-2b84b88f6108"/>
-  </ds:schemaRefs>
-</ds:datastoreItem>
+<file path=customXml/item2.xml><?xml version="1.0" encoding="utf-8"?>
+<?mso-contentType ?>
+<FormTemplates xmlns="http://schemas.microsoft.com/sharepoint/v3/contenttype/forms">
+  <Display>DocumentLibraryForm</Display>
+  <Edit>DocumentLibraryForm</Edit>
+  <New>DocumentLibraryForm</New>
+</FormTemplates>
 </file>
 
-<file path=customXml/itemProps2.xml><?xml version="1.0" encoding="utf-8"?>
-<ds:datastoreItem xmlns:ds="http://schemas.openxmlformats.org/officeDocument/2006/customXml" ds:itemID="{D2ECA147-2494-4F76-8E6D-6CE2BA0DF9A6}">
-  <ds:schemaRefs>
-    <ds:schemaRef ds:uri="http://schemas.microsoft.com/sharepoint/v3/contenttype/forms"/>
-  </ds:schemaRefs>
-</ds:datastoreItem>
+<file path=customXml/item3.xml><?xml version="1.0" encoding="utf-8"?>
+<p:properties xmlns:p="http://schemas.microsoft.com/office/2006/metadata/properties" xmlns:xsi="http://www.w3.org/2001/XMLSchema-instance" xmlns:pc="http://schemas.microsoft.com/office/infopath/2007/PartnerControls">
+  <documentManagement>
+    <lcf76f155ced4ddcb4097134ff3c332f xmlns="d6899de3-1125-4d4b-b534-4822d3c0297b">
+      <Terms xmlns="http://schemas.microsoft.com/office/infopath/2007/PartnerControls"/>
+    </lcf76f155ced4ddcb4097134ff3c332f>
+    <TaxCatchAll xmlns="d105cd02-f242-4b57-b36a-2b84b88f6108" xsi:nil="true"/>
+  </documentManagement>
+</p:properties>
 </file>
 
-<file path=customXml/itemProps3.xml><?xml version="1.0" encoding="utf-8"?>
+<file path=customXml/itemProps1.xml><?xml version="1.0" encoding="utf-8"?>
 <ds:datastoreItem xmlns:ds="http://schemas.openxmlformats.org/officeDocument/2006/customXml" ds:itemID="{4BE7F689-3E48-441B-95DA-179F2A5FFC3F}">
   <ds:schemaRefs>
     <ds:schemaRef ds:uri="http://schemas.microsoft.com/office/2006/metadata/contentType"/>
@@ -7259,4 +8971,29 @@
     <ds:schemaRef ds:uri="http://schemas.microsoft.com/internal/obd"/>
   </ds:schemaRefs>
 </ds:datastoreItem>
+</file>
+
+<file path=customXml/itemProps2.xml><?xml version="1.0" encoding="utf-8"?>
+<ds:datastoreItem xmlns:ds="http://schemas.openxmlformats.org/officeDocument/2006/customXml" ds:itemID="{D2ECA147-2494-4F76-8E6D-6CE2BA0DF9A6}">
+  <ds:schemaRefs>
+    <ds:schemaRef ds:uri="http://schemas.microsoft.com/sharepoint/v3/contenttype/forms"/>
+  </ds:schemaRefs>
+</ds:datastoreItem>
+</file>
+
+<file path=customXml/itemProps3.xml><?xml version="1.0" encoding="utf-8"?>
+<ds:datastoreItem xmlns:ds="http://schemas.openxmlformats.org/officeDocument/2006/customXml" ds:itemID="{98676A2F-3173-45D1-83A8-D056D89C5CF4}">
+  <ds:schemaRefs>
+    <ds:schemaRef ds:uri="http://purl.org/dc/elements/1.1/"/>
+    <ds:schemaRef ds:uri="http://purl.org/dc/dcmitype/"/>
+    <ds:schemaRef ds:uri="http://schemas.microsoft.com/office/2006/documentManagement/types"/>
+    <ds:schemaRef ds:uri="http://schemas.microsoft.com/office/2006/metadata/properties"/>
+    <ds:schemaRef ds:uri="http://www.w3.org/XML/1998/namespace"/>
+    <ds:schemaRef ds:uri="d6899de3-1125-4d4b-b534-4822d3c0297b"/>
+    <ds:schemaRef ds:uri="http://schemas.microsoft.com/office/infopath/2007/PartnerControls"/>
+    <ds:schemaRef ds:uri="http://schemas.openxmlformats.org/package/2006/metadata/core-properties"/>
+    <ds:schemaRef ds:uri="d105cd02-f242-4b57-b36a-2b84b88f6108"/>
+    <ds:schemaRef ds:uri="http://purl.org/dc/terms/"/>
+  </ds:schemaRefs>
+</ds:datastoreItem>
 </file>
--- a/Report/mid/中間ポスター_佐野.pptx
+++ b/Report/mid/中間ポスター_佐野.pptx
@@ -224,7 +224,7 @@
             <a:fld id="{7C590469-25E2-42EB-B82B-972FE68B85D1}" type="datetimeFigureOut">
               <a:rPr lang="ja-JP" altLang="en-US" smtClean="0"/>
               <a:pPr/>
-              <a:t>2022/9/29</a:t>
+              <a:t>2022/9/30</a:t>
             </a:fld>
             <a:endParaRPr lang="ja-JP" altLang="en-US" dirty="0"/>
           </a:p>
@@ -721,7 +721,7 @@
             <a:fld id="{409B9CA5-81D2-46C0-A35B-AB23A863D5F9}" type="datetimeFigureOut">
               <a:rPr lang="ja-JP" altLang="en-US" smtClean="0"/>
               <a:pPr/>
-              <a:t>2022/9/29</a:t>
+              <a:t>2022/9/30</a:t>
             </a:fld>
             <a:endParaRPr lang="ja-JP" altLang="en-US" dirty="0"/>
           </a:p>
@@ -973,7 +973,7 @@
             <a:fld id="{409B9CA5-81D2-46C0-A35B-AB23A863D5F9}" type="datetimeFigureOut">
               <a:rPr lang="ja-JP" altLang="en-US" smtClean="0"/>
               <a:pPr/>
-              <a:t>2022/9/29</a:t>
+              <a:t>2022/9/30</a:t>
             </a:fld>
             <a:endParaRPr lang="ja-JP" altLang="en-US" dirty="0"/>
           </a:p>
@@ -1235,7 +1235,7 @@
             <a:fld id="{409B9CA5-81D2-46C0-A35B-AB23A863D5F9}" type="datetimeFigureOut">
               <a:rPr lang="ja-JP" altLang="en-US" smtClean="0"/>
               <a:pPr/>
-              <a:t>2022/9/29</a:t>
+              <a:t>2022/9/30</a:t>
             </a:fld>
             <a:endParaRPr lang="ja-JP" altLang="en-US" dirty="0"/>
           </a:p>
@@ -1487,7 +1487,7 @@
             <a:fld id="{409B9CA5-81D2-46C0-A35B-AB23A863D5F9}" type="datetimeFigureOut">
               <a:rPr lang="ja-JP" altLang="en-US" smtClean="0"/>
               <a:pPr/>
-              <a:t>2022/9/29</a:t>
+              <a:t>2022/9/30</a:t>
             </a:fld>
             <a:endParaRPr lang="ja-JP" altLang="en-US" dirty="0"/>
           </a:p>
@@ -1755,7 +1755,7 @@
             <a:fld id="{409B9CA5-81D2-46C0-A35B-AB23A863D5F9}" type="datetimeFigureOut">
               <a:rPr lang="ja-JP" altLang="en-US" smtClean="0"/>
               <a:pPr/>
-              <a:t>2022/9/29</a:t>
+              <a:t>2022/9/30</a:t>
             </a:fld>
             <a:endParaRPr lang="ja-JP" altLang="en-US" dirty="0"/>
           </a:p>
@@ -2150,7 +2150,7 @@
             <a:fld id="{409B9CA5-81D2-46C0-A35B-AB23A863D5F9}" type="datetimeFigureOut">
               <a:rPr lang="ja-JP" altLang="en-US" smtClean="0"/>
               <a:pPr/>
-              <a:t>2022/9/29</a:t>
+              <a:t>2022/9/30</a:t>
             </a:fld>
             <a:endParaRPr lang="ja-JP" altLang="en-US" dirty="0"/>
           </a:p>
@@ -2684,7 +2684,7 @@
             <a:fld id="{409B9CA5-81D2-46C0-A35B-AB23A863D5F9}" type="datetimeFigureOut">
               <a:rPr lang="ja-JP" altLang="en-US" smtClean="0"/>
               <a:pPr/>
-              <a:t>2022/9/29</a:t>
+              <a:t>2022/9/30</a:t>
             </a:fld>
             <a:endParaRPr lang="ja-JP" altLang="en-US" dirty="0"/>
           </a:p>
@@ -2827,7 +2827,7 @@
             <a:fld id="{409B9CA5-81D2-46C0-A35B-AB23A863D5F9}" type="datetimeFigureOut">
               <a:rPr lang="ja-JP" altLang="en-US" smtClean="0"/>
               <a:pPr/>
-              <a:t>2022/9/29</a:t>
+              <a:t>2022/9/30</a:t>
             </a:fld>
             <a:endParaRPr lang="ja-JP" altLang="en-US" dirty="0"/>
           </a:p>
@@ -2942,7 +2942,7 @@
             <a:fld id="{409B9CA5-81D2-46C0-A35B-AB23A863D5F9}" type="datetimeFigureOut">
               <a:rPr lang="ja-JP" altLang="en-US" smtClean="0"/>
               <a:pPr/>
-              <a:t>2022/9/29</a:t>
+              <a:t>2022/9/30</a:t>
             </a:fld>
             <a:endParaRPr lang="ja-JP" altLang="en-US" dirty="0"/>
           </a:p>
@@ -3283,7 +3283,7 @@
             <a:fld id="{409B9CA5-81D2-46C0-A35B-AB23A863D5F9}" type="datetimeFigureOut">
               <a:rPr lang="ja-JP" altLang="en-US" smtClean="0"/>
               <a:pPr/>
-              <a:t>2022/9/29</a:t>
+              <a:t>2022/9/30</a:t>
             </a:fld>
             <a:endParaRPr lang="ja-JP" altLang="en-US" dirty="0"/>
           </a:p>
@@ -3561,7 +3561,7 @@
             <a:fld id="{409B9CA5-81D2-46C0-A35B-AB23A863D5F9}" type="datetimeFigureOut">
               <a:rPr lang="ja-JP" altLang="en-US" smtClean="0"/>
               <a:pPr/>
-              <a:t>2022/9/29</a:t>
+              <a:t>2022/9/30</a:t>
             </a:fld>
             <a:endParaRPr lang="ja-JP" altLang="en-US" dirty="0"/>
           </a:p>
@@ -3819,7 +3819,7 @@
             <a:fld id="{409B9CA5-81D2-46C0-A35B-AB23A863D5F9}" type="datetimeFigureOut">
               <a:rPr lang="ja-JP" altLang="en-US" smtClean="0"/>
               <a:pPr/>
-              <a:t>2022/9/29</a:t>
+              <a:t>2022/9/30</a:t>
             </a:fld>
             <a:endParaRPr lang="ja-JP" altLang="en-US" dirty="0"/>
           </a:p>
@@ -5536,7 +5536,7 @@
         </p:nvSpPr>
         <p:spPr>
           <a:xfrm>
-            <a:off x="4337637" y="15830592"/>
+            <a:off x="4239032" y="15621232"/>
             <a:ext cx="576064" cy="2776309"/>
           </a:xfrm>
           <a:prstGeom prst="rightBrace">
@@ -5731,7 +5731,7 @@
         </p:nvSpPr>
         <p:spPr>
           <a:xfrm>
-            <a:off x="20460076" y="15913008"/>
+            <a:off x="20448835" y="15691302"/>
             <a:ext cx="576064" cy="2776309"/>
           </a:xfrm>
           <a:prstGeom prst="rightBrace">
@@ -8746,6 +8746,26 @@
 </file>
 
 <file path=customXml/item1.xml><?xml version="1.0" encoding="utf-8"?>
+<p:properties xmlns:p="http://schemas.microsoft.com/office/2006/metadata/properties" xmlns:xsi="http://www.w3.org/2001/XMLSchema-instance" xmlns:pc="http://schemas.microsoft.com/office/infopath/2007/PartnerControls">
+  <documentManagement>
+    <lcf76f155ced4ddcb4097134ff3c332f xmlns="d6899de3-1125-4d4b-b534-4822d3c0297b">
+      <Terms xmlns="http://schemas.microsoft.com/office/infopath/2007/PartnerControls"/>
+    </lcf76f155ced4ddcb4097134ff3c332f>
+    <TaxCatchAll xmlns="d105cd02-f242-4b57-b36a-2b84b88f6108" xsi:nil="true"/>
+  </documentManagement>
+</p:properties>
+</file>
+
+<file path=customXml/item2.xml><?xml version="1.0" encoding="utf-8"?>
+<?mso-contentType ?>
+<FormTemplates xmlns="http://schemas.microsoft.com/sharepoint/v3/contenttype/forms">
+  <Display>DocumentLibraryForm</Display>
+  <Edit>DocumentLibraryForm</Edit>
+  <New>DocumentLibraryForm</New>
+</FormTemplates>
+</file>
+
+<file path=customXml/item3.xml><?xml version="1.0" encoding="utf-8"?>
 <ct:contentTypeSchema xmlns:ct="http://schemas.microsoft.com/office/2006/metadata/contentType" xmlns:ma="http://schemas.microsoft.com/office/2006/metadata/properties/metaAttributes" ct:_="" ma:_="" ma:contentTypeName="ドキュメント" ma:contentTypeID="0x010100DA3AE0181D46CC48B1A6C7D49B05DC0E" ma:contentTypeVersion="10" ma:contentTypeDescription="新しいドキュメントを作成します。" ma:contentTypeScope="" ma:versionID="6891c78b8800e17b2974d5a387b7c6d4">
   <xsd:schema xmlns:xsd="http://www.w3.org/2001/XMLSchema" xmlns:xs="http://www.w3.org/2001/XMLSchema" xmlns:p="http://schemas.microsoft.com/office/2006/metadata/properties" xmlns:ns2="d6899de3-1125-4d4b-b534-4822d3c0297b" xmlns:ns3="d105cd02-f242-4b57-b36a-2b84b88f6108" targetNamespace="http://schemas.microsoft.com/office/2006/metadata/properties" ma:root="true" ma:fieldsID="5dff3b6462acfd23d6a98baa8449f01e" ns2:_="" ns3:_="">
     <xsd:import namespace="d6899de3-1125-4d4b-b534-4822d3c0297b"/>
@@ -8934,27 +8954,32 @@
 </ct:contentTypeSchema>
 </file>
 
-<file path=customXml/item2.xml><?xml version="1.0" encoding="utf-8"?>
-<?mso-contentType ?>
-<FormTemplates xmlns="http://schemas.microsoft.com/sharepoint/v3/contenttype/forms">
-  <Display>DocumentLibraryForm</Display>
-  <Edit>DocumentLibraryForm</Edit>
-  <New>DocumentLibraryForm</New>
-</FormTemplates>
+<file path=customXml/itemProps1.xml><?xml version="1.0" encoding="utf-8"?>
+<ds:datastoreItem xmlns:ds="http://schemas.openxmlformats.org/officeDocument/2006/customXml" ds:itemID="{98676A2F-3173-45D1-83A8-D056D89C5CF4}">
+  <ds:schemaRefs>
+    <ds:schemaRef ds:uri="http://purl.org/dc/elements/1.1/"/>
+    <ds:schemaRef ds:uri="http://purl.org/dc/dcmitype/"/>
+    <ds:schemaRef ds:uri="http://schemas.microsoft.com/office/2006/documentManagement/types"/>
+    <ds:schemaRef ds:uri="http://schemas.microsoft.com/office/2006/metadata/properties"/>
+    <ds:schemaRef ds:uri="http://www.w3.org/XML/1998/namespace"/>
+    <ds:schemaRef ds:uri="d6899de3-1125-4d4b-b534-4822d3c0297b"/>
+    <ds:schemaRef ds:uri="http://schemas.microsoft.com/office/infopath/2007/PartnerControls"/>
+    <ds:schemaRef ds:uri="http://schemas.openxmlformats.org/package/2006/metadata/core-properties"/>
+    <ds:schemaRef ds:uri="d105cd02-f242-4b57-b36a-2b84b88f6108"/>
+    <ds:schemaRef ds:uri="http://purl.org/dc/terms/"/>
+  </ds:schemaRefs>
+</ds:datastoreItem>
 </file>
 
-<file path=customXml/item3.xml><?xml version="1.0" encoding="utf-8"?>
-<p:properties xmlns:p="http://schemas.microsoft.com/office/2006/metadata/properties" xmlns:xsi="http://www.w3.org/2001/XMLSchema-instance" xmlns:pc="http://schemas.microsoft.com/office/infopath/2007/PartnerControls">
-  <documentManagement>
-    <lcf76f155ced4ddcb4097134ff3c332f xmlns="d6899de3-1125-4d4b-b534-4822d3c0297b">
-      <Terms xmlns="http://schemas.microsoft.com/office/infopath/2007/PartnerControls"/>
-    </lcf76f155ced4ddcb4097134ff3c332f>
-    <TaxCatchAll xmlns="d105cd02-f242-4b57-b36a-2b84b88f6108" xsi:nil="true"/>
-  </documentManagement>
-</p:properties>
+<file path=customXml/itemProps2.xml><?xml version="1.0" encoding="utf-8"?>
+<ds:datastoreItem xmlns:ds="http://schemas.openxmlformats.org/officeDocument/2006/customXml" ds:itemID="{D2ECA147-2494-4F76-8E6D-6CE2BA0DF9A6}">
+  <ds:schemaRefs>
+    <ds:schemaRef ds:uri="http://schemas.microsoft.com/sharepoint/v3/contenttype/forms"/>
+  </ds:schemaRefs>
+</ds:datastoreItem>
 </file>
 
-<file path=customXml/itemProps1.xml><?xml version="1.0" encoding="utf-8"?>
+<file path=customXml/itemProps3.xml><?xml version="1.0" encoding="utf-8"?>
 <ds:datastoreItem xmlns:ds="http://schemas.openxmlformats.org/officeDocument/2006/customXml" ds:itemID="{4BE7F689-3E48-441B-95DA-179F2A5FFC3F}">
   <ds:schemaRefs>
     <ds:schemaRef ds:uri="http://schemas.microsoft.com/office/2006/metadata/contentType"/>
@@ -8971,29 +8996,4 @@
     <ds:schemaRef ds:uri="http://schemas.microsoft.com/internal/obd"/>
   </ds:schemaRefs>
 </ds:datastoreItem>
-</file>
-
-<file path=customXml/itemProps2.xml><?xml version="1.0" encoding="utf-8"?>
-<ds:datastoreItem xmlns:ds="http://schemas.openxmlformats.org/officeDocument/2006/customXml" ds:itemID="{D2ECA147-2494-4F76-8E6D-6CE2BA0DF9A6}">
-  <ds:schemaRefs>
-    <ds:schemaRef ds:uri="http://schemas.microsoft.com/sharepoint/v3/contenttype/forms"/>
-  </ds:schemaRefs>
-</ds:datastoreItem>
-</file>
-
-<file path=customXml/itemProps3.xml><?xml version="1.0" encoding="utf-8"?>
-<ds:datastoreItem xmlns:ds="http://schemas.openxmlformats.org/officeDocument/2006/customXml" ds:itemID="{98676A2F-3173-45D1-83A8-D056D89C5CF4}">
-  <ds:schemaRefs>
-    <ds:schemaRef ds:uri="http://purl.org/dc/elements/1.1/"/>
-    <ds:schemaRef ds:uri="http://purl.org/dc/dcmitype/"/>
-    <ds:schemaRef ds:uri="http://schemas.microsoft.com/office/2006/documentManagement/types"/>
-    <ds:schemaRef ds:uri="http://schemas.microsoft.com/office/2006/metadata/properties"/>
-    <ds:schemaRef ds:uri="http://www.w3.org/XML/1998/namespace"/>
-    <ds:schemaRef ds:uri="d6899de3-1125-4d4b-b534-4822d3c0297b"/>
-    <ds:schemaRef ds:uri="http://schemas.microsoft.com/office/infopath/2007/PartnerControls"/>
-    <ds:schemaRef ds:uri="http://schemas.openxmlformats.org/package/2006/metadata/core-properties"/>
-    <ds:schemaRef ds:uri="d105cd02-f242-4b57-b36a-2b84b88f6108"/>
-    <ds:schemaRef ds:uri="http://purl.org/dc/terms/"/>
-  </ds:schemaRefs>
-</ds:datastoreItem>
 </file>
--- a/Report/mid/中間ポスター_佐野.pptx
+++ b/Report/mid/中間ポスター_佐野.pptx
@@ -6670,7 +6670,7 @@
                 <a:latin typeface="UD デジタル 教科書体 N-B" panose="02020700000000000000" pitchFamily="17" charset="-128"/>
                 <a:ea typeface="UD デジタル 教科書体 N-B" panose="02020700000000000000" pitchFamily="17" charset="-128"/>
               </a:rPr>
-              <a:t>ペンの位置の違いでカメラ位置推定精度に大きな差が生じた。</a:t>
+              <a:t> ペンの位置の違いでカメラ位置推定精度に大きな差が生じた。</a:t>
             </a:r>
             <a:endParaRPr lang="en-US" altLang="ja-JP" sz="4800" dirty="0">
               <a:solidFill>
@@ -7784,8 +7784,8 @@
         </p:nvSpPr>
         <p:spPr>
           <a:xfrm>
-            <a:off x="498421" y="34470542"/>
-            <a:ext cx="15996809" cy="2031775"/>
+            <a:off x="790651" y="34309371"/>
+            <a:ext cx="16241336" cy="2031775"/>
           </a:xfrm>
           <a:prstGeom prst="rect">
             <a:avLst/>
@@ -7814,7 +7814,33 @@
                 <a:latin typeface="UD デジタル 教科書体 N-B" panose="02020700000000000000" pitchFamily="17" charset="-128"/>
                 <a:ea typeface="UD デジタル 教科書体 N-B" panose="02020700000000000000" pitchFamily="17" charset="-128"/>
               </a:rPr>
-              <a:t>ペンがカメラから遠いほど推定精度が低下することが分かった。</a:t>
+              <a:t>ペンがカメラから遠いほど推定精度が低下</a:t>
+            </a:r>
+            <a:r>
+              <a:rPr lang="ja-JP" altLang="en-US" sz="4400" dirty="0">
+                <a:solidFill>
+                  <a:schemeClr val="tx1">
+                    <a:lumMod val="75000"/>
+                    <a:lumOff val="25000"/>
+                  </a:schemeClr>
+                </a:solidFill>
+                <a:latin typeface="UD デジタル 教科書体 N-B" panose="02020700000000000000" pitchFamily="17" charset="-128"/>
+                <a:ea typeface="UD デジタル 教科書体 N-B" panose="02020700000000000000" pitchFamily="17" charset="-128"/>
+              </a:rPr>
+              <a:t>した</a:t>
+            </a:r>
+            <a:r>
+              <a:rPr kumimoji="1" lang="ja-JP" altLang="en-US" sz="4400" dirty="0">
+                <a:solidFill>
+                  <a:schemeClr val="tx1">
+                    <a:lumMod val="75000"/>
+                    <a:lumOff val="25000"/>
+                  </a:schemeClr>
+                </a:solidFill>
+                <a:latin typeface="UD デジタル 教科書体 N-B" panose="02020700000000000000" pitchFamily="17" charset="-128"/>
+                <a:ea typeface="UD デジタル 教科書体 N-B" panose="02020700000000000000" pitchFamily="17" charset="-128"/>
+              </a:rPr>
+              <a:t>。</a:t>
             </a:r>
             <a:endParaRPr kumimoji="1" lang="en-US" altLang="ja-JP" sz="4400" dirty="0">
               <a:solidFill>
@@ -7873,8 +7899,8 @@
         </p:nvSpPr>
         <p:spPr>
           <a:xfrm>
-            <a:off x="17420570" y="26657841"/>
-            <a:ext cx="8289048" cy="10027794"/>
+            <a:off x="17420569" y="26657841"/>
+            <a:ext cx="8289049" cy="10027794"/>
           </a:xfrm>
           <a:prstGeom prst="roundRect">
             <a:avLst>
@@ -8746,26 +8772,6 @@
 </file>
 
 <file path=customXml/item1.xml><?xml version="1.0" encoding="utf-8"?>
-<p:properties xmlns:p="http://schemas.microsoft.com/office/2006/metadata/properties" xmlns:xsi="http://www.w3.org/2001/XMLSchema-instance" xmlns:pc="http://schemas.microsoft.com/office/infopath/2007/PartnerControls">
-  <documentManagement>
-    <lcf76f155ced4ddcb4097134ff3c332f xmlns="d6899de3-1125-4d4b-b534-4822d3c0297b">
-      <Terms xmlns="http://schemas.microsoft.com/office/infopath/2007/PartnerControls"/>
-    </lcf76f155ced4ddcb4097134ff3c332f>
-    <TaxCatchAll xmlns="d105cd02-f242-4b57-b36a-2b84b88f6108" xsi:nil="true"/>
-  </documentManagement>
-</p:properties>
-</file>
-
-<file path=customXml/item2.xml><?xml version="1.0" encoding="utf-8"?>
-<?mso-contentType ?>
-<FormTemplates xmlns="http://schemas.microsoft.com/sharepoint/v3/contenttype/forms">
-  <Display>DocumentLibraryForm</Display>
-  <Edit>DocumentLibraryForm</Edit>
-  <New>DocumentLibraryForm</New>
-</FormTemplates>
-</file>
-
-<file path=customXml/item3.xml><?xml version="1.0" encoding="utf-8"?>
 <ct:contentTypeSchema xmlns:ct="http://schemas.microsoft.com/office/2006/metadata/contentType" xmlns:ma="http://schemas.microsoft.com/office/2006/metadata/properties/metaAttributes" ct:_="" ma:_="" ma:contentTypeName="ドキュメント" ma:contentTypeID="0x010100DA3AE0181D46CC48B1A6C7D49B05DC0E" ma:contentTypeVersion="10" ma:contentTypeDescription="新しいドキュメントを作成します。" ma:contentTypeScope="" ma:versionID="6891c78b8800e17b2974d5a387b7c6d4">
   <xsd:schema xmlns:xsd="http://www.w3.org/2001/XMLSchema" xmlns:xs="http://www.w3.org/2001/XMLSchema" xmlns:p="http://schemas.microsoft.com/office/2006/metadata/properties" xmlns:ns2="d6899de3-1125-4d4b-b534-4822d3c0297b" xmlns:ns3="d105cd02-f242-4b57-b36a-2b84b88f6108" targetNamespace="http://schemas.microsoft.com/office/2006/metadata/properties" ma:root="true" ma:fieldsID="5dff3b6462acfd23d6a98baa8449f01e" ns2:_="" ns3:_="">
     <xsd:import namespace="d6899de3-1125-4d4b-b534-4822d3c0297b"/>
@@ -8954,32 +8960,27 @@
 </ct:contentTypeSchema>
 </file>
 
-<file path=customXml/itemProps1.xml><?xml version="1.0" encoding="utf-8"?>
-<ds:datastoreItem xmlns:ds="http://schemas.openxmlformats.org/officeDocument/2006/customXml" ds:itemID="{98676A2F-3173-45D1-83A8-D056D89C5CF4}">
-  <ds:schemaRefs>
-    <ds:schemaRef ds:uri="http://purl.org/dc/elements/1.1/"/>
-    <ds:schemaRef ds:uri="http://purl.org/dc/dcmitype/"/>
-    <ds:schemaRef ds:uri="http://schemas.microsoft.com/office/2006/documentManagement/types"/>
-    <ds:schemaRef ds:uri="http://schemas.microsoft.com/office/2006/metadata/properties"/>
-    <ds:schemaRef ds:uri="http://www.w3.org/XML/1998/namespace"/>
-    <ds:schemaRef ds:uri="d6899de3-1125-4d4b-b534-4822d3c0297b"/>
-    <ds:schemaRef ds:uri="http://schemas.microsoft.com/office/infopath/2007/PartnerControls"/>
-    <ds:schemaRef ds:uri="http://schemas.openxmlformats.org/package/2006/metadata/core-properties"/>
-    <ds:schemaRef ds:uri="d105cd02-f242-4b57-b36a-2b84b88f6108"/>
-    <ds:schemaRef ds:uri="http://purl.org/dc/terms/"/>
-  </ds:schemaRefs>
-</ds:datastoreItem>
+<file path=customXml/item2.xml><?xml version="1.0" encoding="utf-8"?>
+<?mso-contentType ?>
+<FormTemplates xmlns="http://schemas.microsoft.com/sharepoint/v3/contenttype/forms">
+  <Display>DocumentLibraryForm</Display>
+  <Edit>DocumentLibraryForm</Edit>
+  <New>DocumentLibraryForm</New>
+</FormTemplates>
 </file>
 
-<file path=customXml/itemProps2.xml><?xml version="1.0" encoding="utf-8"?>
-<ds:datastoreItem xmlns:ds="http://schemas.openxmlformats.org/officeDocument/2006/customXml" ds:itemID="{D2ECA147-2494-4F76-8E6D-6CE2BA0DF9A6}">
-  <ds:schemaRefs>
-    <ds:schemaRef ds:uri="http://schemas.microsoft.com/sharepoint/v3/contenttype/forms"/>
-  </ds:schemaRefs>
-</ds:datastoreItem>
+<file path=customXml/item3.xml><?xml version="1.0" encoding="utf-8"?>
+<p:properties xmlns:p="http://schemas.microsoft.com/office/2006/metadata/properties" xmlns:xsi="http://www.w3.org/2001/XMLSchema-instance" xmlns:pc="http://schemas.microsoft.com/office/infopath/2007/PartnerControls">
+  <documentManagement>
+    <lcf76f155ced4ddcb4097134ff3c332f xmlns="d6899de3-1125-4d4b-b534-4822d3c0297b">
+      <Terms xmlns="http://schemas.microsoft.com/office/infopath/2007/PartnerControls"/>
+    </lcf76f155ced4ddcb4097134ff3c332f>
+    <TaxCatchAll xmlns="d105cd02-f242-4b57-b36a-2b84b88f6108" xsi:nil="true"/>
+  </documentManagement>
+</p:properties>
 </file>
 
-<file path=customXml/itemProps3.xml><?xml version="1.0" encoding="utf-8"?>
+<file path=customXml/itemProps1.xml><?xml version="1.0" encoding="utf-8"?>
 <ds:datastoreItem xmlns:ds="http://schemas.openxmlformats.org/officeDocument/2006/customXml" ds:itemID="{4BE7F689-3E48-441B-95DA-179F2A5FFC3F}">
   <ds:schemaRefs>
     <ds:schemaRef ds:uri="http://schemas.microsoft.com/office/2006/metadata/contentType"/>
@@ -8996,4 +8997,29 @@
     <ds:schemaRef ds:uri="http://schemas.microsoft.com/internal/obd"/>
   </ds:schemaRefs>
 </ds:datastoreItem>
+</file>
+
+<file path=customXml/itemProps2.xml><?xml version="1.0" encoding="utf-8"?>
+<ds:datastoreItem xmlns:ds="http://schemas.openxmlformats.org/officeDocument/2006/customXml" ds:itemID="{D2ECA147-2494-4F76-8E6D-6CE2BA0DF9A6}">
+  <ds:schemaRefs>
+    <ds:schemaRef ds:uri="http://schemas.microsoft.com/sharepoint/v3/contenttype/forms"/>
+  </ds:schemaRefs>
+</ds:datastoreItem>
+</file>
+
+<file path=customXml/itemProps3.xml><?xml version="1.0" encoding="utf-8"?>
+<ds:datastoreItem xmlns:ds="http://schemas.openxmlformats.org/officeDocument/2006/customXml" ds:itemID="{98676A2F-3173-45D1-83A8-D056D89C5CF4}">
+  <ds:schemaRefs>
+    <ds:schemaRef ds:uri="http://purl.org/dc/elements/1.1/"/>
+    <ds:schemaRef ds:uri="http://purl.org/dc/dcmitype/"/>
+    <ds:schemaRef ds:uri="http://schemas.microsoft.com/office/2006/documentManagement/types"/>
+    <ds:schemaRef ds:uri="http://schemas.microsoft.com/office/2006/metadata/properties"/>
+    <ds:schemaRef ds:uri="http://www.w3.org/XML/1998/namespace"/>
+    <ds:schemaRef ds:uri="d6899de3-1125-4d4b-b534-4822d3c0297b"/>
+    <ds:schemaRef ds:uri="http://schemas.microsoft.com/office/infopath/2007/PartnerControls"/>
+    <ds:schemaRef ds:uri="http://schemas.openxmlformats.org/package/2006/metadata/core-properties"/>
+    <ds:schemaRef ds:uri="d105cd02-f242-4b57-b36a-2b84b88f6108"/>
+    <ds:schemaRef ds:uri="http://purl.org/dc/terms/"/>
+  </ds:schemaRefs>
+</ds:datastoreItem>
 </file>